--- a/webアプリ.pptx
+++ b/webアプリ.pptx
@@ -8,6 +8,9 @@
     <p:sldId id="257" r:id="rId2"/>
     <p:sldId id="258" r:id="rId3"/>
     <p:sldId id="259" r:id="rId4"/>
+    <p:sldId id="260" r:id="rId5"/>
+    <p:sldId id="261" r:id="rId6"/>
+    <p:sldId id="262" r:id="rId7"/>
   </p:sldIdLst>
   <p:sldSz cx="12192000" cy="6858000"/>
   <p:notesSz cx="6858000" cy="9144000"/>
@@ -106,6 +109,11 @@
       </a:defRPr>
     </a:lvl9pPr>
   </p:defaultTextStyle>
+  <p:extLst>
+    <p:ext uri="{EFAFB233-063F-42B5-8137-9DF3F51BA10A}">
+      <p15:sldGuideLst xmlns:p15="http://schemas.microsoft.com/office/powerpoint/2012/main"/>
+    </p:ext>
+  </p:extLst>
 </p:presentation>
 </file>
 
@@ -256,7 +264,7 @@
           <a:p>
             <a:fld id="{F817FA65-CCBC-40F1-92A8-5256FEAEA59F}" type="datetimeFigureOut">
               <a:rPr kumimoji="1" lang="ja-JP" altLang="en-US" smtClean="0"/>
-              <a:t>2023/10/27</a:t>
+              <a:t>2023/10/28</a:t>
             </a:fld>
             <a:endParaRPr kumimoji="1" lang="ja-JP" altLang="en-US"/>
           </a:p>
@@ -486,7 +494,7 @@
           <a:p>
             <a:fld id="{F817FA65-CCBC-40F1-92A8-5256FEAEA59F}" type="datetimeFigureOut">
               <a:rPr kumimoji="1" lang="ja-JP" altLang="en-US" smtClean="0"/>
-              <a:t>2023/10/27</a:t>
+              <a:t>2023/10/28</a:t>
             </a:fld>
             <a:endParaRPr kumimoji="1" lang="ja-JP" altLang="en-US"/>
           </a:p>
@@ -726,7 +734,7 @@
           <a:p>
             <a:fld id="{F817FA65-CCBC-40F1-92A8-5256FEAEA59F}" type="datetimeFigureOut">
               <a:rPr kumimoji="1" lang="ja-JP" altLang="en-US" smtClean="0"/>
-              <a:t>2023/10/27</a:t>
+              <a:t>2023/10/28</a:t>
             </a:fld>
             <a:endParaRPr kumimoji="1" lang="ja-JP" altLang="en-US"/>
           </a:p>
@@ -956,7 +964,7 @@
           <a:p>
             <a:fld id="{F817FA65-CCBC-40F1-92A8-5256FEAEA59F}" type="datetimeFigureOut">
               <a:rPr kumimoji="1" lang="ja-JP" altLang="en-US" smtClean="0"/>
-              <a:t>2023/10/27</a:t>
+              <a:t>2023/10/28</a:t>
             </a:fld>
             <a:endParaRPr kumimoji="1" lang="ja-JP" altLang="en-US"/>
           </a:p>
@@ -1231,7 +1239,7 @@
           <a:p>
             <a:fld id="{F817FA65-CCBC-40F1-92A8-5256FEAEA59F}" type="datetimeFigureOut">
               <a:rPr kumimoji="1" lang="ja-JP" altLang="en-US" smtClean="0"/>
-              <a:t>2023/10/27</a:t>
+              <a:t>2023/10/28</a:t>
             </a:fld>
             <a:endParaRPr kumimoji="1" lang="ja-JP" altLang="en-US"/>
           </a:p>
@@ -1560,7 +1568,7 @@
           <a:p>
             <a:fld id="{F817FA65-CCBC-40F1-92A8-5256FEAEA59F}" type="datetimeFigureOut">
               <a:rPr kumimoji="1" lang="ja-JP" altLang="en-US" smtClean="0"/>
-              <a:t>2023/10/27</a:t>
+              <a:t>2023/10/28</a:t>
             </a:fld>
             <a:endParaRPr kumimoji="1" lang="ja-JP" altLang="en-US"/>
           </a:p>
@@ -2036,7 +2044,7 @@
           <a:p>
             <a:fld id="{F817FA65-CCBC-40F1-92A8-5256FEAEA59F}" type="datetimeFigureOut">
               <a:rPr kumimoji="1" lang="ja-JP" altLang="en-US" smtClean="0"/>
-              <a:t>2023/10/27</a:t>
+              <a:t>2023/10/28</a:t>
             </a:fld>
             <a:endParaRPr kumimoji="1" lang="ja-JP" altLang="en-US"/>
           </a:p>
@@ -2177,7 +2185,7 @@
           <a:p>
             <a:fld id="{F817FA65-CCBC-40F1-92A8-5256FEAEA59F}" type="datetimeFigureOut">
               <a:rPr kumimoji="1" lang="ja-JP" altLang="en-US" smtClean="0"/>
-              <a:t>2023/10/27</a:t>
+              <a:t>2023/10/28</a:t>
             </a:fld>
             <a:endParaRPr kumimoji="1" lang="ja-JP" altLang="en-US"/>
           </a:p>
@@ -2290,7 +2298,7 @@
           <a:p>
             <a:fld id="{F817FA65-CCBC-40F1-92A8-5256FEAEA59F}" type="datetimeFigureOut">
               <a:rPr kumimoji="1" lang="ja-JP" altLang="en-US" smtClean="0"/>
-              <a:t>2023/10/27</a:t>
+              <a:t>2023/10/28</a:t>
             </a:fld>
             <a:endParaRPr kumimoji="1" lang="ja-JP" altLang="en-US"/>
           </a:p>
@@ -2633,7 +2641,7 @@
           <a:p>
             <a:fld id="{F817FA65-CCBC-40F1-92A8-5256FEAEA59F}" type="datetimeFigureOut">
               <a:rPr kumimoji="1" lang="ja-JP" altLang="en-US" smtClean="0"/>
-              <a:t>2023/10/27</a:t>
+              <a:t>2023/10/28</a:t>
             </a:fld>
             <a:endParaRPr kumimoji="1" lang="ja-JP" altLang="en-US"/>
           </a:p>
@@ -2921,7 +2929,7 @@
           <a:p>
             <a:fld id="{F817FA65-CCBC-40F1-92A8-5256FEAEA59F}" type="datetimeFigureOut">
               <a:rPr kumimoji="1" lang="ja-JP" altLang="en-US" smtClean="0"/>
-              <a:t>2023/10/27</a:t>
+              <a:t>2023/10/28</a:t>
             </a:fld>
             <a:endParaRPr kumimoji="1" lang="ja-JP" altLang="en-US"/>
           </a:p>
@@ -3194,7 +3202,7 @@
           <a:p>
             <a:fld id="{F817FA65-CCBC-40F1-92A8-5256FEAEA59F}" type="datetimeFigureOut">
               <a:rPr kumimoji="1" lang="ja-JP" altLang="en-US" smtClean="0"/>
-              <a:t>2023/10/27</a:t>
+              <a:t>2023/10/28</a:t>
             </a:fld>
             <a:endParaRPr kumimoji="1" lang="ja-JP" altLang="en-US"/>
           </a:p>
@@ -5134,6 +5142,57 @@
           <a:chExt cx="0" cy="0"/>
         </a:xfrm>
       </p:grpSpPr>
+      <p:sp>
+        <p:nvSpPr>
+          <p:cNvPr id="6" name="四角形: 角を丸くする 5">
+            <a:extLst>
+              <a:ext uri="{FF2B5EF4-FFF2-40B4-BE49-F238E27FC236}">
+                <a16:creationId xmlns:a16="http://schemas.microsoft.com/office/drawing/2014/main" id="{98CD3D25-B648-3F8B-98E5-7E4A68875263}"/>
+              </a:ext>
+            </a:extLst>
+          </p:cNvPr>
+          <p:cNvSpPr/>
+          <p:nvPr/>
+        </p:nvSpPr>
+        <p:spPr>
+          <a:xfrm>
+            <a:off x="828716" y="720252"/>
+            <a:ext cx="4044768" cy="2684681"/>
+          </a:xfrm>
+          <a:prstGeom prst="roundRect">
+            <a:avLst>
+              <a:gd name="adj" fmla="val 1983"/>
+            </a:avLst>
+          </a:prstGeom>
+          <a:solidFill>
+            <a:schemeClr val="bg1"/>
+          </a:solidFill>
+        </p:spPr>
+        <p:style>
+          <a:lnRef idx="2">
+            <a:schemeClr val="accent1">
+              <a:shade val="15000"/>
+            </a:schemeClr>
+          </a:lnRef>
+          <a:fillRef idx="1">
+            <a:schemeClr val="accent1"/>
+          </a:fillRef>
+          <a:effectRef idx="0">
+            <a:schemeClr val="accent1"/>
+          </a:effectRef>
+          <a:fontRef idx="minor">
+            <a:schemeClr val="lt1"/>
+          </a:fontRef>
+        </p:style>
+        <p:txBody>
+          <a:bodyPr rtlCol="0" anchor="ctr"/>
+          <a:lstStyle/>
+          <a:p>
+            <a:pPr algn="ctr"/>
+            <a:endParaRPr kumimoji="1" lang="ja-JP" altLang="en-US"/>
+          </a:p>
+        </p:txBody>
+      </p:sp>
       <p:grpSp>
         <p:nvGrpSpPr>
           <p:cNvPr id="53" name="グループ化 52">
@@ -5148,7 +5207,7 @@
         </p:nvGrpSpPr>
         <p:grpSpPr>
           <a:xfrm>
-            <a:off x="374670" y="3183966"/>
+            <a:off x="374670" y="3527875"/>
             <a:ext cx="4769564" cy="3106156"/>
             <a:chOff x="259164" y="4622013"/>
             <a:chExt cx="4769564" cy="3106156"/>
@@ -5467,7 +5526,7 @@
         </p:nvGrpSpPr>
         <p:grpSpPr>
           <a:xfrm>
-            <a:off x="946527" y="588187"/>
+            <a:off x="1060766" y="833221"/>
             <a:ext cx="3631039" cy="2516861"/>
             <a:chOff x="1033422" y="989797"/>
             <a:chExt cx="3631039" cy="2516861"/>
@@ -6127,8 +6186,8 @@
         </p:nvSpPr>
         <p:spPr>
           <a:xfrm>
-            <a:off x="5180511" y="485307"/>
-            <a:ext cx="189238" cy="5868000"/>
+            <a:off x="5180511" y="550844"/>
+            <a:ext cx="189238" cy="6120000"/>
           </a:xfrm>
           <a:prstGeom prst="rightBracket">
             <a:avLst/>
@@ -6299,7 +6358,9 @@
               <a:gd name="adj3" fmla="val 16667"/>
             </a:avLst>
           </a:prstGeom>
-          <a:noFill/>
+          <a:solidFill>
+            <a:schemeClr val="bg1"/>
+          </a:solidFill>
           <a:ln>
             <a:solidFill>
               <a:srgbClr val="FF0000"/>
@@ -6464,10 +6525,2278 @@
           </a:p>
         </p:txBody>
       </p:sp>
+      <p:grpSp>
+        <p:nvGrpSpPr>
+          <p:cNvPr id="8" name="グループ化 7">
+            <a:extLst>
+              <a:ext uri="{FF2B5EF4-FFF2-40B4-BE49-F238E27FC236}">
+                <a16:creationId xmlns:a16="http://schemas.microsoft.com/office/drawing/2014/main" id="{A2120856-8487-2032-3330-64B0A6DC37BB}"/>
+              </a:ext>
+            </a:extLst>
+          </p:cNvPr>
+          <p:cNvGrpSpPr/>
+          <p:nvPr/>
+        </p:nvGrpSpPr>
+        <p:grpSpPr>
+          <a:xfrm>
+            <a:off x="606551" y="503386"/>
+            <a:ext cx="444330" cy="444330"/>
+            <a:chOff x="7618363" y="685497"/>
+            <a:chExt cx="444330" cy="444330"/>
+          </a:xfrm>
+        </p:grpSpPr>
+        <p:sp>
+          <p:nvSpPr>
+            <p:cNvPr id="7" name="正方形/長方形 6">
+              <a:extLst>
+                <a:ext uri="{FF2B5EF4-FFF2-40B4-BE49-F238E27FC236}">
+                  <a16:creationId xmlns:a16="http://schemas.microsoft.com/office/drawing/2014/main" id="{166F242A-5BF6-D418-54AE-B5A23BED2E60}"/>
+                </a:ext>
+              </a:extLst>
+            </p:cNvPr>
+            <p:cNvSpPr/>
+            <p:nvPr/>
+          </p:nvSpPr>
+          <p:spPr>
+            <a:xfrm>
+              <a:off x="7619893" y="687027"/>
+              <a:ext cx="442800" cy="442800"/>
+            </a:xfrm>
+            <a:prstGeom prst="rect">
+              <a:avLst/>
+            </a:prstGeom>
+            <a:solidFill>
+              <a:schemeClr val="bg1"/>
+            </a:solidFill>
+            <a:ln>
+              <a:noFill/>
+            </a:ln>
+          </p:spPr>
+          <p:style>
+            <a:lnRef idx="2">
+              <a:schemeClr val="accent1">
+                <a:shade val="15000"/>
+              </a:schemeClr>
+            </a:lnRef>
+            <a:fillRef idx="1">
+              <a:schemeClr val="accent1"/>
+            </a:fillRef>
+            <a:effectRef idx="0">
+              <a:schemeClr val="accent1"/>
+            </a:effectRef>
+            <a:fontRef idx="minor">
+              <a:schemeClr val="lt1"/>
+            </a:fontRef>
+          </p:style>
+          <p:txBody>
+            <a:bodyPr rtlCol="0" anchor="ctr"/>
+            <a:lstStyle/>
+            <a:p>
+              <a:pPr algn="ctr"/>
+              <a:endParaRPr kumimoji="1" lang="ja-JP" altLang="en-US"/>
+            </a:p>
+          </p:txBody>
+        </p:sp>
+        <p:pic>
+          <p:nvPicPr>
+            <p:cNvPr id="3" name="図 2">
+              <a:extLst>
+                <a:ext uri="{FF2B5EF4-FFF2-40B4-BE49-F238E27FC236}">
+                  <a16:creationId xmlns:a16="http://schemas.microsoft.com/office/drawing/2014/main" id="{5A4CE537-1E37-2116-B365-D9035164A6A2}"/>
+                </a:ext>
+              </a:extLst>
+            </p:cNvPr>
+            <p:cNvPicPr>
+              <a:picLocks noChangeAspect="1"/>
+            </p:cNvPicPr>
+            <p:nvPr/>
+          </p:nvPicPr>
+          <p:blipFill>
+            <a:blip r:embed="rId11">
+              <a:extLst>
+                <a:ext uri="{28A0092B-C50C-407E-A947-70E740481C1C}">
+                  <a14:useLocalDpi xmlns:a14="http://schemas.microsoft.com/office/drawing/2010/main" val="0"/>
+                </a:ext>
+              </a:extLst>
+            </a:blip>
+            <a:stretch>
+              <a:fillRect/>
+            </a:stretch>
+          </p:blipFill>
+          <p:spPr>
+            <a:xfrm>
+              <a:off x="7618363" y="685497"/>
+              <a:ext cx="444330" cy="444330"/>
+            </a:xfrm>
+            <a:prstGeom prst="rect">
+              <a:avLst/>
+            </a:prstGeom>
+          </p:spPr>
+        </p:pic>
+      </p:grpSp>
     </p:spTree>
     <p:extLst>
       <p:ext uri="{BB962C8B-B14F-4D97-AF65-F5344CB8AC3E}">
         <p14:creationId xmlns:p14="http://schemas.microsoft.com/office/powerpoint/2010/main" val="3112259938"/>
+      </p:ext>
+    </p:extLst>
+  </p:cSld>
+  <p:clrMapOvr>
+    <a:masterClrMapping/>
+  </p:clrMapOvr>
+</p:sld>
+</file>
+
+<file path=ppt/slides/slide4.xml><?xml version="1.0" encoding="utf-8"?>
+<p:sld xmlns:a="http://schemas.openxmlformats.org/drawingml/2006/main" xmlns:r="http://schemas.openxmlformats.org/officeDocument/2006/relationships" xmlns:p="http://schemas.openxmlformats.org/presentationml/2006/main">
+  <p:cSld>
+    <p:spTree>
+      <p:nvGrpSpPr>
+        <p:cNvPr id="1" name=""/>
+        <p:cNvGrpSpPr/>
+        <p:nvPr/>
+      </p:nvGrpSpPr>
+      <p:grpSpPr>
+        <a:xfrm>
+          <a:off x="0" y="0"/>
+          <a:ext cx="0" cy="0"/>
+          <a:chOff x="0" y="0"/>
+          <a:chExt cx="0" cy="0"/>
+        </a:xfrm>
+      </p:grpSpPr>
+      <p:sp>
+        <p:nvSpPr>
+          <p:cNvPr id="1025" name="テキスト ボックス 1024">
+            <a:extLst>
+              <a:ext uri="{FF2B5EF4-FFF2-40B4-BE49-F238E27FC236}">
+                <a16:creationId xmlns:a16="http://schemas.microsoft.com/office/drawing/2014/main" id="{986C44BF-33EA-F490-4127-B24F00D2C585}"/>
+              </a:ext>
+            </a:extLst>
+          </p:cNvPr>
+          <p:cNvSpPr txBox="1"/>
+          <p:nvPr/>
+        </p:nvSpPr>
+        <p:spPr>
+          <a:xfrm>
+            <a:off x="-7622" y="0"/>
+            <a:ext cx="2070100" cy="461665"/>
+          </a:xfrm>
+          <a:prstGeom prst="rect">
+            <a:avLst/>
+          </a:prstGeom>
+          <a:noFill/>
+        </p:spPr>
+        <p:txBody>
+          <a:bodyPr wrap="square" rtlCol="0">
+            <a:spAutoFit/>
+          </a:bodyPr>
+          <a:lstStyle/>
+          <a:p>
+            <a:r>
+              <a:rPr kumimoji="1" lang="en-US" altLang="ja-JP" sz="2400" b="1" dirty="0">
+                <a:effectLst>
+                  <a:outerShdw blurRad="38100" dist="38100" dir="2700000" algn="tl">
+                    <a:srgbClr val="000000">
+                      <a:alpha val="43137"/>
+                    </a:srgbClr>
+                  </a:outerShdw>
+                </a:effectLst>
+              </a:rPr>
+              <a:t>Step1</a:t>
+            </a:r>
+            <a:endParaRPr kumimoji="1" lang="ja-JP" altLang="en-US" sz="2400" b="1" dirty="0">
+              <a:effectLst>
+                <a:outerShdw blurRad="38100" dist="38100" dir="2700000" algn="tl">
+                  <a:srgbClr val="000000">
+                    <a:alpha val="43137"/>
+                  </a:srgbClr>
+                </a:outerShdw>
+              </a:effectLst>
+            </a:endParaRPr>
+          </a:p>
+        </p:txBody>
+      </p:sp>
+      <p:grpSp>
+        <p:nvGrpSpPr>
+          <p:cNvPr id="48" name="グループ化 47">
+            <a:extLst>
+              <a:ext uri="{FF2B5EF4-FFF2-40B4-BE49-F238E27FC236}">
+                <a16:creationId xmlns:a16="http://schemas.microsoft.com/office/drawing/2014/main" id="{EC0C0B2F-49E3-FE5D-5CC6-C1649D7036BD}"/>
+              </a:ext>
+            </a:extLst>
+          </p:cNvPr>
+          <p:cNvGrpSpPr/>
+          <p:nvPr/>
+        </p:nvGrpSpPr>
+        <p:grpSpPr>
+          <a:xfrm>
+            <a:off x="9642866" y="0"/>
+            <a:ext cx="2710000" cy="2450139"/>
+            <a:chOff x="9482000" y="0"/>
+            <a:chExt cx="2710000" cy="2450139"/>
+          </a:xfrm>
+        </p:grpSpPr>
+        <p:pic>
+          <p:nvPicPr>
+            <p:cNvPr id="29" name="図 28">
+              <a:extLst>
+                <a:ext uri="{FF2B5EF4-FFF2-40B4-BE49-F238E27FC236}">
+                  <a16:creationId xmlns:a16="http://schemas.microsoft.com/office/drawing/2014/main" id="{9DE3CB48-4298-A5D6-3410-CB8C2428C989}"/>
+                </a:ext>
+              </a:extLst>
+            </p:cNvPr>
+            <p:cNvPicPr>
+              <a:picLocks noChangeAspect="1"/>
+            </p:cNvPicPr>
+            <p:nvPr/>
+          </p:nvPicPr>
+          <p:blipFill>
+            <a:blip r:embed="rId2"/>
+            <a:stretch>
+              <a:fillRect/>
+            </a:stretch>
+          </p:blipFill>
+          <p:spPr>
+            <a:xfrm>
+              <a:off x="9482000" y="118533"/>
+              <a:ext cx="2710000" cy="2331606"/>
+            </a:xfrm>
+            <a:prstGeom prst="rect">
+              <a:avLst/>
+            </a:prstGeom>
+          </p:spPr>
+        </p:pic>
+        <p:sp>
+          <p:nvSpPr>
+            <p:cNvPr id="31" name="正方形/長方形 30">
+              <a:extLst>
+                <a:ext uri="{FF2B5EF4-FFF2-40B4-BE49-F238E27FC236}">
+                  <a16:creationId xmlns:a16="http://schemas.microsoft.com/office/drawing/2014/main" id="{246515D4-14D6-2F1F-56FB-151EAFC2A6DB}"/>
+                </a:ext>
+              </a:extLst>
+            </p:cNvPr>
+            <p:cNvSpPr/>
+            <p:nvPr/>
+          </p:nvSpPr>
+          <p:spPr>
+            <a:xfrm>
+              <a:off x="9550401" y="0"/>
+              <a:ext cx="774700" cy="1464733"/>
+            </a:xfrm>
+            <a:prstGeom prst="rect">
+              <a:avLst/>
+            </a:prstGeom>
+            <a:noFill/>
+            <a:ln w="28575">
+              <a:solidFill>
+                <a:schemeClr val="accent1"/>
+              </a:solidFill>
+            </a:ln>
+          </p:spPr>
+          <p:style>
+            <a:lnRef idx="2">
+              <a:schemeClr val="accent1">
+                <a:shade val="15000"/>
+              </a:schemeClr>
+            </a:lnRef>
+            <a:fillRef idx="1">
+              <a:schemeClr val="accent1"/>
+            </a:fillRef>
+            <a:effectRef idx="0">
+              <a:schemeClr val="accent1"/>
+            </a:effectRef>
+            <a:fontRef idx="minor">
+              <a:schemeClr val="lt1"/>
+            </a:fontRef>
+          </p:style>
+          <p:txBody>
+            <a:bodyPr rtlCol="0" anchor="ctr"/>
+            <a:lstStyle/>
+            <a:p>
+              <a:pPr algn="ctr"/>
+              <a:endParaRPr kumimoji="1" lang="ja-JP" altLang="en-US" dirty="0"/>
+            </a:p>
+          </p:txBody>
+        </p:sp>
+        <p:sp>
+          <p:nvSpPr>
+            <p:cNvPr id="41" name="正方形/長方形 40">
+              <a:extLst>
+                <a:ext uri="{FF2B5EF4-FFF2-40B4-BE49-F238E27FC236}">
+                  <a16:creationId xmlns:a16="http://schemas.microsoft.com/office/drawing/2014/main" id="{7C2CC9AB-228F-A9C1-B470-A325BF300050}"/>
+                </a:ext>
+              </a:extLst>
+            </p:cNvPr>
+            <p:cNvSpPr/>
+            <p:nvPr/>
+          </p:nvSpPr>
+          <p:spPr>
+            <a:xfrm>
+              <a:off x="10393502" y="0"/>
+              <a:ext cx="774700" cy="1464733"/>
+            </a:xfrm>
+            <a:prstGeom prst="rect">
+              <a:avLst/>
+            </a:prstGeom>
+            <a:noFill/>
+            <a:ln w="28575">
+              <a:solidFill>
+                <a:schemeClr val="accent1"/>
+              </a:solidFill>
+            </a:ln>
+          </p:spPr>
+          <p:style>
+            <a:lnRef idx="2">
+              <a:schemeClr val="accent1">
+                <a:shade val="15000"/>
+              </a:schemeClr>
+            </a:lnRef>
+            <a:fillRef idx="1">
+              <a:schemeClr val="accent1"/>
+            </a:fillRef>
+            <a:effectRef idx="0">
+              <a:schemeClr val="accent1"/>
+            </a:effectRef>
+            <a:fontRef idx="minor">
+              <a:schemeClr val="lt1"/>
+            </a:fontRef>
+          </p:style>
+          <p:txBody>
+            <a:bodyPr rtlCol="0" anchor="ctr"/>
+            <a:lstStyle/>
+            <a:p>
+              <a:pPr algn="ctr"/>
+              <a:endParaRPr kumimoji="1" lang="ja-JP" altLang="en-US" dirty="0"/>
+            </a:p>
+          </p:txBody>
+        </p:sp>
+        <p:sp>
+          <p:nvSpPr>
+            <p:cNvPr id="42" name="正方形/長方形 41">
+              <a:extLst>
+                <a:ext uri="{FF2B5EF4-FFF2-40B4-BE49-F238E27FC236}">
+                  <a16:creationId xmlns:a16="http://schemas.microsoft.com/office/drawing/2014/main" id="{3E2F45F2-6A9E-889A-17E4-B88032B179A0}"/>
+                </a:ext>
+              </a:extLst>
+            </p:cNvPr>
+            <p:cNvSpPr/>
+            <p:nvPr/>
+          </p:nvSpPr>
+          <p:spPr>
+            <a:xfrm>
+              <a:off x="11236603" y="0"/>
+              <a:ext cx="774700" cy="1464733"/>
+            </a:xfrm>
+            <a:prstGeom prst="rect">
+              <a:avLst/>
+            </a:prstGeom>
+            <a:noFill/>
+            <a:ln w="28575">
+              <a:solidFill>
+                <a:schemeClr val="accent1"/>
+              </a:solidFill>
+            </a:ln>
+          </p:spPr>
+          <p:style>
+            <a:lnRef idx="2">
+              <a:schemeClr val="accent1">
+                <a:shade val="15000"/>
+              </a:schemeClr>
+            </a:lnRef>
+            <a:fillRef idx="1">
+              <a:schemeClr val="accent1"/>
+            </a:fillRef>
+            <a:effectRef idx="0">
+              <a:schemeClr val="accent1"/>
+            </a:effectRef>
+            <a:fontRef idx="minor">
+              <a:schemeClr val="lt1"/>
+            </a:fontRef>
+          </p:style>
+          <p:txBody>
+            <a:bodyPr rtlCol="0" anchor="ctr"/>
+            <a:lstStyle/>
+            <a:p>
+              <a:pPr algn="ctr"/>
+              <a:endParaRPr kumimoji="1" lang="ja-JP" altLang="en-US" dirty="0"/>
+            </a:p>
+          </p:txBody>
+        </p:sp>
+      </p:grpSp>
+      <p:sp>
+        <p:nvSpPr>
+          <p:cNvPr id="46" name="テキスト ボックス 45">
+            <a:extLst>
+              <a:ext uri="{FF2B5EF4-FFF2-40B4-BE49-F238E27FC236}">
+                <a16:creationId xmlns:a16="http://schemas.microsoft.com/office/drawing/2014/main" id="{8F92C572-FAE6-2802-F331-14363B6CFA82}"/>
+              </a:ext>
+            </a:extLst>
+          </p:cNvPr>
+          <p:cNvSpPr txBox="1"/>
+          <p:nvPr/>
+        </p:nvSpPr>
+        <p:spPr>
+          <a:xfrm>
+            <a:off x="106503" y="684171"/>
+            <a:ext cx="9355666" cy="1200329"/>
+          </a:xfrm>
+          <a:prstGeom prst="rect">
+            <a:avLst/>
+          </a:prstGeom>
+          <a:noFill/>
+        </p:spPr>
+        <p:txBody>
+          <a:bodyPr wrap="square" rtlCol="0">
+            <a:spAutoFit/>
+          </a:bodyPr>
+          <a:lstStyle/>
+          <a:p>
+            <a:r>
+              <a:rPr kumimoji="1" lang="en-US" altLang="ja-JP" dirty="0">
+                <a:latin typeface="Arial" panose="020B0604020202020204" pitchFamily="34" charset="0"/>
+                <a:cs typeface="Arial" panose="020B0604020202020204" pitchFamily="34" charset="0"/>
+              </a:rPr>
+              <a:t>【</a:t>
+            </a:r>
+            <a:r>
+              <a:rPr kumimoji="1" lang="ja-JP" altLang="en-US" dirty="0">
+                <a:latin typeface="Arial" panose="020B0604020202020204" pitchFamily="34" charset="0"/>
+                <a:cs typeface="Arial" panose="020B0604020202020204" pitchFamily="34" charset="0"/>
+              </a:rPr>
+              <a:t>三井のリパーク</a:t>
+            </a:r>
+            <a:r>
+              <a:rPr kumimoji="1" lang="en-US" altLang="ja-JP" dirty="0">
+                <a:latin typeface="Arial" panose="020B0604020202020204" pitchFamily="34" charset="0"/>
+                <a:cs typeface="Arial" panose="020B0604020202020204" pitchFamily="34" charset="0"/>
+              </a:rPr>
+              <a:t>】</a:t>
+            </a:r>
+          </a:p>
+          <a:p>
+            <a:pPr marL="342900" indent="-342900">
+              <a:buFont typeface="+mj-ea"/>
+              <a:buAutoNum type="circleNumDbPlain"/>
+            </a:pPr>
+            <a:r>
+              <a:rPr kumimoji="1" lang="en-US" altLang="ja-JP" dirty="0" err="1">
+                <a:latin typeface="Arial" panose="020B0604020202020204" pitchFamily="34" charset="0"/>
+                <a:cs typeface="Arial" panose="020B0604020202020204" pitchFamily="34" charset="0"/>
+              </a:rPr>
+              <a:t>url</a:t>
+            </a:r>
+            <a:r>
+              <a:rPr kumimoji="1" lang="en-US" altLang="ja-JP" dirty="0">
+                <a:latin typeface="Arial" panose="020B0604020202020204" pitchFamily="34" charset="0"/>
+                <a:cs typeface="Arial" panose="020B0604020202020204" pitchFamily="34" charset="0"/>
+              </a:rPr>
+              <a:t>=“https://www.repark.jp/</a:t>
+            </a:r>
+            <a:r>
+              <a:rPr kumimoji="1" lang="en-US" altLang="ja-JP" dirty="0" err="1">
+                <a:latin typeface="Arial" panose="020B0604020202020204" pitchFamily="34" charset="0"/>
+                <a:cs typeface="Arial" panose="020B0604020202020204" pitchFamily="34" charset="0"/>
+              </a:rPr>
+              <a:t>parking_user</a:t>
+            </a:r>
+            <a:r>
+              <a:rPr kumimoji="1" lang="en-US" altLang="ja-JP" dirty="0">
+                <a:latin typeface="Arial" panose="020B0604020202020204" pitchFamily="34" charset="0"/>
+                <a:cs typeface="Arial" panose="020B0604020202020204" pitchFamily="34" charset="0"/>
+              </a:rPr>
+              <a:t>/time/result/detail/?park=</a:t>
+            </a:r>
+            <a:r>
+              <a:rPr kumimoji="1" lang="en-US" altLang="ja-JP" b="1" dirty="0">
+                <a:solidFill>
+                  <a:srgbClr val="FF0000"/>
+                </a:solidFill>
+                <a:latin typeface="Arial" panose="020B0604020202020204" pitchFamily="34" charset="0"/>
+                <a:cs typeface="Arial" panose="020B0604020202020204" pitchFamily="34" charset="0"/>
+              </a:rPr>
+              <a:t>ID</a:t>
+            </a:r>
+            <a:r>
+              <a:rPr kumimoji="1" lang="en-US" altLang="ja-JP" dirty="0">
+                <a:latin typeface="Arial" panose="020B0604020202020204" pitchFamily="34" charset="0"/>
+                <a:cs typeface="Arial" panose="020B0604020202020204" pitchFamily="34" charset="0"/>
+              </a:rPr>
+              <a:t>”</a:t>
+            </a:r>
+            <a:r>
+              <a:rPr kumimoji="1" lang="ja-JP" altLang="en-US" dirty="0">
+                <a:latin typeface="Arial" panose="020B0604020202020204" pitchFamily="34" charset="0"/>
+                <a:cs typeface="Arial" panose="020B0604020202020204" pitchFamily="34" charset="0"/>
+              </a:rPr>
+              <a:t>を作成</a:t>
+            </a:r>
+            <a:endParaRPr kumimoji="1" lang="en-US" altLang="ja-JP" dirty="0">
+              <a:latin typeface="Arial" panose="020B0604020202020204" pitchFamily="34" charset="0"/>
+              <a:cs typeface="Arial" panose="020B0604020202020204" pitchFamily="34" charset="0"/>
+            </a:endParaRPr>
+          </a:p>
+          <a:p>
+            <a:pPr marL="342900" indent="-342900">
+              <a:buFont typeface="+mj-ea"/>
+              <a:buAutoNum type="circleNumDbPlain"/>
+            </a:pPr>
+            <a:r>
+              <a:rPr lang="en-US" altLang="ja-JP" dirty="0">
+                <a:latin typeface="Arial" panose="020B0604020202020204" pitchFamily="34" charset="0"/>
+                <a:cs typeface="Arial" panose="020B0604020202020204" pitchFamily="34" charset="0"/>
+              </a:rPr>
+              <a:t>ID</a:t>
+            </a:r>
+            <a:r>
+              <a:rPr lang="ja-JP" altLang="en-US" dirty="0">
+                <a:latin typeface="Arial" panose="020B0604020202020204" pitchFamily="34" charset="0"/>
+                <a:cs typeface="Arial" panose="020B0604020202020204" pitchFamily="34" charset="0"/>
+              </a:rPr>
+              <a:t>を</a:t>
+            </a:r>
+            <a:r>
+              <a:rPr lang="en-US" altLang="ja-JP" dirty="0">
+                <a:latin typeface="Arial" panose="020B0604020202020204" pitchFamily="34" charset="0"/>
+                <a:cs typeface="Arial" panose="020B0604020202020204" pitchFamily="34" charset="0"/>
+              </a:rPr>
+              <a:t>0~30000</a:t>
+            </a:r>
+            <a:r>
+              <a:rPr lang="ja-JP" altLang="en-US" dirty="0">
+                <a:latin typeface="Arial" panose="020B0604020202020204" pitchFamily="34" charset="0"/>
+                <a:cs typeface="Arial" panose="020B0604020202020204" pitchFamily="34" charset="0"/>
+              </a:rPr>
+              <a:t>まで</a:t>
+            </a:r>
+            <a:r>
+              <a:rPr lang="en-US" altLang="ja-JP" dirty="0">
+                <a:latin typeface="Arial" panose="020B0604020202020204" pitchFamily="34" charset="0"/>
+                <a:cs typeface="Arial" panose="020B0604020202020204" pitchFamily="34" charset="0"/>
+              </a:rPr>
+              <a:t>for</a:t>
+            </a:r>
+            <a:r>
+              <a:rPr lang="ja-JP" altLang="en-US" dirty="0">
+                <a:latin typeface="Arial" panose="020B0604020202020204" pitchFamily="34" charset="0"/>
+                <a:cs typeface="Arial" panose="020B0604020202020204" pitchFamily="34" charset="0"/>
+              </a:rPr>
+              <a:t>文で回し、</a:t>
+            </a:r>
+            <a:r>
+              <a:rPr lang="en-US" altLang="ja-JP" dirty="0" err="1">
+                <a:latin typeface="Arial" panose="020B0604020202020204" pitchFamily="34" charset="0"/>
+                <a:cs typeface="Arial" panose="020B0604020202020204" pitchFamily="34" charset="0"/>
+              </a:rPr>
+              <a:t>get.request</a:t>
+            </a:r>
+            <a:r>
+              <a:rPr lang="ja-JP" altLang="en-US" dirty="0">
+                <a:latin typeface="Arial" panose="020B0604020202020204" pitchFamily="34" charset="0"/>
+                <a:cs typeface="Arial" panose="020B0604020202020204" pitchFamily="34" charset="0"/>
+              </a:rPr>
+              <a:t>で返答</a:t>
+            </a:r>
+            <a:r>
+              <a:rPr lang="en-US" altLang="ja-JP" dirty="0">
+                <a:latin typeface="Arial" panose="020B0604020202020204" pitchFamily="34" charset="0"/>
+                <a:cs typeface="Arial" panose="020B0604020202020204" pitchFamily="34" charset="0"/>
+              </a:rPr>
+              <a:t>”200”</a:t>
+            </a:r>
+            <a:r>
+              <a:rPr lang="ja-JP" altLang="en-US" dirty="0">
+                <a:latin typeface="Arial" panose="020B0604020202020204" pitchFamily="34" charset="0"/>
+                <a:cs typeface="Arial" panose="020B0604020202020204" pitchFamily="34" charset="0"/>
+              </a:rPr>
+              <a:t>があった場合のみデータを取得</a:t>
+            </a:r>
+            <a:endParaRPr lang="en-US" altLang="ja-JP" dirty="0">
+              <a:latin typeface="Arial" panose="020B0604020202020204" pitchFamily="34" charset="0"/>
+              <a:cs typeface="Arial" panose="020B0604020202020204" pitchFamily="34" charset="0"/>
+            </a:endParaRPr>
+          </a:p>
+          <a:p>
+            <a:pPr marL="342900" indent="-342900">
+              <a:buFont typeface="+mj-ea"/>
+              <a:buAutoNum type="circleNumDbPlain"/>
+            </a:pPr>
+            <a:r>
+              <a:rPr lang="en-US" altLang="ja-JP" dirty="0" err="1">
+                <a:latin typeface="Arial" panose="020B0604020202020204" pitchFamily="34" charset="0"/>
+                <a:cs typeface="Arial" panose="020B0604020202020204" pitchFamily="34" charset="0"/>
+              </a:rPr>
+              <a:t>d</a:t>
+            </a:r>
+            <a:r>
+              <a:rPr kumimoji="1" lang="en-US" altLang="ja-JP" dirty="0" err="1">
+                <a:latin typeface="Arial" panose="020B0604020202020204" pitchFamily="34" charset="0"/>
+                <a:cs typeface="Arial" panose="020B0604020202020204" pitchFamily="34" charset="0"/>
+              </a:rPr>
+              <a:t>f_repark</a:t>
+            </a:r>
+            <a:r>
+              <a:rPr kumimoji="1" lang="ja-JP" altLang="en-US" dirty="0">
+                <a:latin typeface="Arial" panose="020B0604020202020204" pitchFamily="34" charset="0"/>
+                <a:cs typeface="Arial" panose="020B0604020202020204" pitchFamily="34" charset="0"/>
+              </a:rPr>
+              <a:t>へデータを格納</a:t>
+            </a:r>
+          </a:p>
+        </p:txBody>
+      </p:sp>
+      <p:sp>
+        <p:nvSpPr>
+          <p:cNvPr id="55" name="テキスト ボックス 54">
+            <a:extLst>
+              <a:ext uri="{FF2B5EF4-FFF2-40B4-BE49-F238E27FC236}">
+                <a16:creationId xmlns:a16="http://schemas.microsoft.com/office/drawing/2014/main" id="{671A49F0-E72F-8B8F-6DCC-F6F5BF9DACFD}"/>
+              </a:ext>
+            </a:extLst>
+          </p:cNvPr>
+          <p:cNvSpPr txBox="1"/>
+          <p:nvPr/>
+        </p:nvSpPr>
+        <p:spPr>
+          <a:xfrm>
+            <a:off x="106503" y="2228671"/>
+            <a:ext cx="9355666" cy="1200329"/>
+          </a:xfrm>
+          <a:prstGeom prst="rect">
+            <a:avLst/>
+          </a:prstGeom>
+          <a:noFill/>
+        </p:spPr>
+        <p:txBody>
+          <a:bodyPr wrap="square" rtlCol="0">
+            <a:spAutoFit/>
+          </a:bodyPr>
+          <a:lstStyle/>
+          <a:p>
+            <a:r>
+              <a:rPr kumimoji="1" lang="en-US" altLang="ja-JP" dirty="0">
+                <a:latin typeface="Arial" panose="020B0604020202020204" pitchFamily="34" charset="0"/>
+                <a:cs typeface="Arial" panose="020B0604020202020204" pitchFamily="34" charset="0"/>
+              </a:rPr>
+              <a:t>【</a:t>
+            </a:r>
+            <a:r>
+              <a:rPr kumimoji="1" lang="ja-JP" altLang="en-US" dirty="0">
+                <a:latin typeface="Arial" panose="020B0604020202020204" pitchFamily="34" charset="0"/>
+                <a:cs typeface="Arial" panose="020B0604020202020204" pitchFamily="34" charset="0"/>
+              </a:rPr>
+              <a:t>日本パーキング</a:t>
+            </a:r>
+            <a:r>
+              <a:rPr kumimoji="1" lang="en-US" altLang="ja-JP" dirty="0">
+                <a:latin typeface="Arial" panose="020B0604020202020204" pitchFamily="34" charset="0"/>
+                <a:cs typeface="Arial" panose="020B0604020202020204" pitchFamily="34" charset="0"/>
+              </a:rPr>
+              <a:t>】</a:t>
+            </a:r>
+          </a:p>
+          <a:p>
+            <a:pPr marL="342900" indent="-342900">
+              <a:buFont typeface="+mj-ea"/>
+              <a:buAutoNum type="circleNumDbPlain"/>
+            </a:pPr>
+            <a:r>
+              <a:rPr kumimoji="1" lang="en-US" altLang="ja-JP" dirty="0" err="1">
+                <a:latin typeface="Arial" panose="020B0604020202020204" pitchFamily="34" charset="0"/>
+                <a:cs typeface="Arial" panose="020B0604020202020204" pitchFamily="34" charset="0"/>
+              </a:rPr>
+              <a:t>url</a:t>
+            </a:r>
+            <a:r>
+              <a:rPr kumimoji="1" lang="en-US" altLang="ja-JP" dirty="0">
+                <a:latin typeface="Arial" panose="020B0604020202020204" pitchFamily="34" charset="0"/>
+                <a:cs typeface="Arial" panose="020B0604020202020204" pitchFamily="34" charset="0"/>
+              </a:rPr>
+              <a:t>=“https://npc-npc.co.jp/parking/prefecture-0/city-0/parking-</a:t>
+            </a:r>
+            <a:r>
+              <a:rPr kumimoji="1" lang="en-US" altLang="ja-JP" b="1" dirty="0">
+                <a:solidFill>
+                  <a:srgbClr val="FF0000"/>
+                </a:solidFill>
+                <a:latin typeface="Arial" panose="020B0604020202020204" pitchFamily="34" charset="0"/>
+                <a:cs typeface="Arial" panose="020B0604020202020204" pitchFamily="34" charset="0"/>
+              </a:rPr>
+              <a:t>ID</a:t>
+            </a:r>
+            <a:r>
+              <a:rPr kumimoji="1" lang="en-US" altLang="ja-JP" dirty="0">
+                <a:latin typeface="Arial" panose="020B0604020202020204" pitchFamily="34" charset="0"/>
+                <a:cs typeface="Arial" panose="020B0604020202020204" pitchFamily="34" charset="0"/>
+              </a:rPr>
+              <a:t>”</a:t>
+            </a:r>
+            <a:r>
+              <a:rPr kumimoji="1" lang="ja-JP" altLang="en-US" dirty="0">
+                <a:latin typeface="Arial" panose="020B0604020202020204" pitchFamily="34" charset="0"/>
+                <a:cs typeface="Arial" panose="020B0604020202020204" pitchFamily="34" charset="0"/>
+              </a:rPr>
+              <a:t>を作成</a:t>
+            </a:r>
+            <a:endParaRPr kumimoji="1" lang="en-US" altLang="ja-JP" dirty="0">
+              <a:latin typeface="Arial" panose="020B0604020202020204" pitchFamily="34" charset="0"/>
+              <a:cs typeface="Arial" panose="020B0604020202020204" pitchFamily="34" charset="0"/>
+            </a:endParaRPr>
+          </a:p>
+          <a:p>
+            <a:pPr marL="342900" indent="-342900">
+              <a:buFont typeface="+mj-ea"/>
+              <a:buAutoNum type="circleNumDbPlain"/>
+            </a:pPr>
+            <a:r>
+              <a:rPr lang="en-US" altLang="ja-JP" dirty="0">
+                <a:latin typeface="Arial" panose="020B0604020202020204" pitchFamily="34" charset="0"/>
+                <a:cs typeface="Arial" panose="020B0604020202020204" pitchFamily="34" charset="0"/>
+              </a:rPr>
+              <a:t>ID</a:t>
+            </a:r>
+            <a:r>
+              <a:rPr lang="ja-JP" altLang="en-US" dirty="0">
+                <a:latin typeface="Arial" panose="020B0604020202020204" pitchFamily="34" charset="0"/>
+                <a:cs typeface="Arial" panose="020B0604020202020204" pitchFamily="34" charset="0"/>
+              </a:rPr>
+              <a:t>を</a:t>
+            </a:r>
+            <a:r>
+              <a:rPr lang="en-US" altLang="ja-JP" dirty="0">
+                <a:latin typeface="Arial" panose="020B0604020202020204" pitchFamily="34" charset="0"/>
+                <a:cs typeface="Arial" panose="020B0604020202020204" pitchFamily="34" charset="0"/>
+              </a:rPr>
+              <a:t>0~4200?</a:t>
+            </a:r>
+            <a:r>
+              <a:rPr lang="ja-JP" altLang="en-US" dirty="0">
+                <a:latin typeface="Arial" panose="020B0604020202020204" pitchFamily="34" charset="0"/>
+                <a:cs typeface="Arial" panose="020B0604020202020204" pitchFamily="34" charset="0"/>
+              </a:rPr>
+              <a:t>まで</a:t>
+            </a:r>
+            <a:r>
+              <a:rPr lang="en-US" altLang="ja-JP" dirty="0">
+                <a:latin typeface="Arial" panose="020B0604020202020204" pitchFamily="34" charset="0"/>
+                <a:cs typeface="Arial" panose="020B0604020202020204" pitchFamily="34" charset="0"/>
+              </a:rPr>
+              <a:t>for</a:t>
+            </a:r>
+            <a:r>
+              <a:rPr lang="ja-JP" altLang="en-US" dirty="0">
+                <a:latin typeface="Arial" panose="020B0604020202020204" pitchFamily="34" charset="0"/>
+                <a:cs typeface="Arial" panose="020B0604020202020204" pitchFamily="34" charset="0"/>
+              </a:rPr>
+              <a:t>文で回し、</a:t>
+            </a:r>
+            <a:r>
+              <a:rPr lang="en-US" altLang="ja-JP" dirty="0" err="1">
+                <a:latin typeface="Arial" panose="020B0604020202020204" pitchFamily="34" charset="0"/>
+                <a:cs typeface="Arial" panose="020B0604020202020204" pitchFamily="34" charset="0"/>
+              </a:rPr>
+              <a:t>get.request</a:t>
+            </a:r>
+            <a:r>
+              <a:rPr lang="ja-JP" altLang="en-US" dirty="0">
+                <a:latin typeface="Arial" panose="020B0604020202020204" pitchFamily="34" charset="0"/>
+                <a:cs typeface="Arial" panose="020B0604020202020204" pitchFamily="34" charset="0"/>
+              </a:rPr>
+              <a:t>で返答</a:t>
+            </a:r>
+            <a:r>
+              <a:rPr lang="en-US" altLang="ja-JP" dirty="0">
+                <a:latin typeface="Arial" panose="020B0604020202020204" pitchFamily="34" charset="0"/>
+                <a:cs typeface="Arial" panose="020B0604020202020204" pitchFamily="34" charset="0"/>
+              </a:rPr>
+              <a:t>”200”</a:t>
+            </a:r>
+            <a:r>
+              <a:rPr lang="ja-JP" altLang="en-US" dirty="0">
+                <a:latin typeface="Arial" panose="020B0604020202020204" pitchFamily="34" charset="0"/>
+                <a:cs typeface="Arial" panose="020B0604020202020204" pitchFamily="34" charset="0"/>
+              </a:rPr>
+              <a:t>があった場合のみデータを取得</a:t>
+            </a:r>
+            <a:endParaRPr lang="en-US" altLang="ja-JP" dirty="0">
+              <a:latin typeface="Arial" panose="020B0604020202020204" pitchFamily="34" charset="0"/>
+              <a:cs typeface="Arial" panose="020B0604020202020204" pitchFamily="34" charset="0"/>
+            </a:endParaRPr>
+          </a:p>
+          <a:p>
+            <a:pPr marL="342900" indent="-342900">
+              <a:buFont typeface="+mj-ea"/>
+              <a:buAutoNum type="circleNumDbPlain"/>
+            </a:pPr>
+            <a:r>
+              <a:rPr lang="en-US" altLang="ja-JP" dirty="0" err="1">
+                <a:latin typeface="Arial" panose="020B0604020202020204" pitchFamily="34" charset="0"/>
+                <a:cs typeface="Arial" panose="020B0604020202020204" pitchFamily="34" charset="0"/>
+              </a:rPr>
+              <a:t>d</a:t>
+            </a:r>
+            <a:r>
+              <a:rPr kumimoji="1" lang="en-US" altLang="ja-JP" dirty="0" err="1">
+                <a:latin typeface="Arial" panose="020B0604020202020204" pitchFamily="34" charset="0"/>
+                <a:cs typeface="Arial" panose="020B0604020202020204" pitchFamily="34" charset="0"/>
+              </a:rPr>
+              <a:t>f_npc</a:t>
+            </a:r>
+            <a:r>
+              <a:rPr kumimoji="1" lang="ja-JP" altLang="en-US" dirty="0">
+                <a:latin typeface="Arial" panose="020B0604020202020204" pitchFamily="34" charset="0"/>
+                <a:cs typeface="Arial" panose="020B0604020202020204" pitchFamily="34" charset="0"/>
+              </a:rPr>
+              <a:t>へデータを格納</a:t>
+            </a:r>
+          </a:p>
+        </p:txBody>
+      </p:sp>
+      <p:sp>
+        <p:nvSpPr>
+          <p:cNvPr id="56" name="テキスト ボックス 55">
+            <a:extLst>
+              <a:ext uri="{FF2B5EF4-FFF2-40B4-BE49-F238E27FC236}">
+                <a16:creationId xmlns:a16="http://schemas.microsoft.com/office/drawing/2014/main" id="{16674EAD-D2E1-369D-F306-22B0479BE090}"/>
+              </a:ext>
+            </a:extLst>
+          </p:cNvPr>
+          <p:cNvSpPr txBox="1"/>
+          <p:nvPr/>
+        </p:nvSpPr>
+        <p:spPr>
+          <a:xfrm>
+            <a:off x="106503" y="3773171"/>
+            <a:ext cx="9355666" cy="1200329"/>
+          </a:xfrm>
+          <a:prstGeom prst="rect">
+            <a:avLst/>
+          </a:prstGeom>
+          <a:noFill/>
+        </p:spPr>
+        <p:txBody>
+          <a:bodyPr wrap="square" rtlCol="0">
+            <a:spAutoFit/>
+          </a:bodyPr>
+          <a:lstStyle/>
+          <a:p>
+            <a:r>
+              <a:rPr kumimoji="1" lang="en-US" altLang="ja-JP" strike="sngStrike" dirty="0">
+                <a:latin typeface="Arial" panose="020B0604020202020204" pitchFamily="34" charset="0"/>
+                <a:cs typeface="Arial" panose="020B0604020202020204" pitchFamily="34" charset="0"/>
+              </a:rPr>
+              <a:t>【</a:t>
+            </a:r>
+            <a:r>
+              <a:rPr kumimoji="1" lang="ja-JP" altLang="en-US" strike="sngStrike" dirty="0">
+                <a:latin typeface="Arial" panose="020B0604020202020204" pitchFamily="34" charset="0"/>
+                <a:cs typeface="Arial" panose="020B0604020202020204" pitchFamily="34" charset="0"/>
+              </a:rPr>
+              <a:t>タイムズパーキング</a:t>
+            </a:r>
+            <a:r>
+              <a:rPr kumimoji="1" lang="en-US" altLang="ja-JP" strike="sngStrike" dirty="0">
+                <a:latin typeface="Arial" panose="020B0604020202020204" pitchFamily="34" charset="0"/>
+                <a:cs typeface="Arial" panose="020B0604020202020204" pitchFamily="34" charset="0"/>
+              </a:rPr>
+              <a:t>】</a:t>
+            </a:r>
+          </a:p>
+          <a:p>
+            <a:pPr marL="342900" indent="-342900">
+              <a:buFont typeface="+mj-ea"/>
+              <a:buAutoNum type="circleNumDbPlain"/>
+            </a:pPr>
+            <a:r>
+              <a:rPr kumimoji="1" lang="en-US" altLang="ja-JP" strike="sngStrike" dirty="0" err="1">
+                <a:latin typeface="Arial" panose="020B0604020202020204" pitchFamily="34" charset="0"/>
+                <a:cs typeface="Arial" panose="020B0604020202020204" pitchFamily="34" charset="0"/>
+              </a:rPr>
+              <a:t>url</a:t>
+            </a:r>
+            <a:r>
+              <a:rPr kumimoji="1" lang="en-US" altLang="ja-JP" strike="sngStrike" dirty="0">
+                <a:latin typeface="Arial" panose="020B0604020202020204" pitchFamily="34" charset="0"/>
+                <a:cs typeface="Arial" panose="020B0604020202020204" pitchFamily="34" charset="0"/>
+              </a:rPr>
+              <a:t>=“https://www.repark.jp/</a:t>
+            </a:r>
+            <a:r>
+              <a:rPr kumimoji="1" lang="en-US" altLang="ja-JP" strike="sngStrike" dirty="0" err="1">
+                <a:latin typeface="Arial" panose="020B0604020202020204" pitchFamily="34" charset="0"/>
+                <a:cs typeface="Arial" panose="020B0604020202020204" pitchFamily="34" charset="0"/>
+              </a:rPr>
+              <a:t>parking_user</a:t>
+            </a:r>
+            <a:r>
+              <a:rPr kumimoji="1" lang="en-US" altLang="ja-JP" strike="sngStrike" dirty="0">
+                <a:latin typeface="Arial" panose="020B0604020202020204" pitchFamily="34" charset="0"/>
+                <a:cs typeface="Arial" panose="020B0604020202020204" pitchFamily="34" charset="0"/>
+              </a:rPr>
+              <a:t>/time/result/detail/?park=</a:t>
+            </a:r>
+            <a:r>
+              <a:rPr kumimoji="1" lang="en-US" altLang="ja-JP" b="1" strike="sngStrike" dirty="0">
+                <a:solidFill>
+                  <a:srgbClr val="FF0000"/>
+                </a:solidFill>
+                <a:latin typeface="Arial" panose="020B0604020202020204" pitchFamily="34" charset="0"/>
+                <a:cs typeface="Arial" panose="020B0604020202020204" pitchFamily="34" charset="0"/>
+              </a:rPr>
+              <a:t>ID</a:t>
+            </a:r>
+            <a:r>
+              <a:rPr kumimoji="1" lang="en-US" altLang="ja-JP" strike="sngStrike" dirty="0">
+                <a:latin typeface="Arial" panose="020B0604020202020204" pitchFamily="34" charset="0"/>
+                <a:cs typeface="Arial" panose="020B0604020202020204" pitchFamily="34" charset="0"/>
+              </a:rPr>
+              <a:t>”</a:t>
+            </a:r>
+            <a:r>
+              <a:rPr kumimoji="1" lang="ja-JP" altLang="en-US" strike="sngStrike" dirty="0">
+                <a:latin typeface="Arial" panose="020B0604020202020204" pitchFamily="34" charset="0"/>
+                <a:cs typeface="Arial" panose="020B0604020202020204" pitchFamily="34" charset="0"/>
+              </a:rPr>
+              <a:t>を作成</a:t>
+            </a:r>
+            <a:endParaRPr kumimoji="1" lang="en-US" altLang="ja-JP" strike="sngStrike" dirty="0">
+              <a:latin typeface="Arial" panose="020B0604020202020204" pitchFamily="34" charset="0"/>
+              <a:cs typeface="Arial" panose="020B0604020202020204" pitchFamily="34" charset="0"/>
+            </a:endParaRPr>
+          </a:p>
+          <a:p>
+            <a:pPr marL="342900" indent="-342900">
+              <a:buFont typeface="+mj-ea"/>
+              <a:buAutoNum type="circleNumDbPlain"/>
+            </a:pPr>
+            <a:r>
+              <a:rPr lang="en-US" altLang="ja-JP" strike="sngStrike" dirty="0">
+                <a:latin typeface="Arial" panose="020B0604020202020204" pitchFamily="34" charset="0"/>
+                <a:cs typeface="Arial" panose="020B0604020202020204" pitchFamily="34" charset="0"/>
+              </a:rPr>
+              <a:t>ID</a:t>
+            </a:r>
+            <a:r>
+              <a:rPr lang="ja-JP" altLang="en-US" strike="sngStrike" dirty="0">
+                <a:latin typeface="Arial" panose="020B0604020202020204" pitchFamily="34" charset="0"/>
+                <a:cs typeface="Arial" panose="020B0604020202020204" pitchFamily="34" charset="0"/>
+              </a:rPr>
+              <a:t>を</a:t>
+            </a:r>
+            <a:r>
+              <a:rPr lang="en-US" altLang="ja-JP" strike="sngStrike" dirty="0">
+                <a:latin typeface="Arial" panose="020B0604020202020204" pitchFamily="34" charset="0"/>
+                <a:cs typeface="Arial" panose="020B0604020202020204" pitchFamily="34" charset="0"/>
+              </a:rPr>
+              <a:t>0~30000</a:t>
+            </a:r>
+            <a:r>
+              <a:rPr lang="ja-JP" altLang="en-US" strike="sngStrike" dirty="0">
+                <a:latin typeface="Arial" panose="020B0604020202020204" pitchFamily="34" charset="0"/>
+                <a:cs typeface="Arial" panose="020B0604020202020204" pitchFamily="34" charset="0"/>
+              </a:rPr>
+              <a:t>まで</a:t>
+            </a:r>
+            <a:r>
+              <a:rPr lang="en-US" altLang="ja-JP" strike="sngStrike" dirty="0">
+                <a:latin typeface="Arial" panose="020B0604020202020204" pitchFamily="34" charset="0"/>
+                <a:cs typeface="Arial" panose="020B0604020202020204" pitchFamily="34" charset="0"/>
+              </a:rPr>
+              <a:t>for</a:t>
+            </a:r>
+            <a:r>
+              <a:rPr lang="ja-JP" altLang="en-US" strike="sngStrike" dirty="0">
+                <a:latin typeface="Arial" panose="020B0604020202020204" pitchFamily="34" charset="0"/>
+                <a:cs typeface="Arial" panose="020B0604020202020204" pitchFamily="34" charset="0"/>
+              </a:rPr>
+              <a:t>文で回し、</a:t>
+            </a:r>
+            <a:r>
+              <a:rPr lang="en-US" altLang="ja-JP" strike="sngStrike" dirty="0" err="1">
+                <a:latin typeface="Arial" panose="020B0604020202020204" pitchFamily="34" charset="0"/>
+                <a:cs typeface="Arial" panose="020B0604020202020204" pitchFamily="34" charset="0"/>
+              </a:rPr>
+              <a:t>get.request</a:t>
+            </a:r>
+            <a:r>
+              <a:rPr lang="ja-JP" altLang="en-US" strike="sngStrike" dirty="0">
+                <a:latin typeface="Arial" panose="020B0604020202020204" pitchFamily="34" charset="0"/>
+                <a:cs typeface="Arial" panose="020B0604020202020204" pitchFamily="34" charset="0"/>
+              </a:rPr>
+              <a:t>で返答</a:t>
+            </a:r>
+            <a:r>
+              <a:rPr lang="en-US" altLang="ja-JP" strike="sngStrike" dirty="0">
+                <a:latin typeface="Arial" panose="020B0604020202020204" pitchFamily="34" charset="0"/>
+                <a:cs typeface="Arial" panose="020B0604020202020204" pitchFamily="34" charset="0"/>
+              </a:rPr>
+              <a:t>”200”</a:t>
+            </a:r>
+            <a:r>
+              <a:rPr lang="ja-JP" altLang="en-US" strike="sngStrike" dirty="0">
+                <a:latin typeface="Arial" panose="020B0604020202020204" pitchFamily="34" charset="0"/>
+                <a:cs typeface="Arial" panose="020B0604020202020204" pitchFamily="34" charset="0"/>
+              </a:rPr>
+              <a:t>があった場合のみデータを取得</a:t>
+            </a:r>
+            <a:endParaRPr lang="en-US" altLang="ja-JP" strike="sngStrike" dirty="0">
+              <a:latin typeface="Arial" panose="020B0604020202020204" pitchFamily="34" charset="0"/>
+              <a:cs typeface="Arial" panose="020B0604020202020204" pitchFamily="34" charset="0"/>
+            </a:endParaRPr>
+          </a:p>
+          <a:p>
+            <a:pPr marL="342900" indent="-342900">
+              <a:buFont typeface="+mj-ea"/>
+              <a:buAutoNum type="circleNumDbPlain"/>
+            </a:pPr>
+            <a:r>
+              <a:rPr lang="en-US" altLang="ja-JP" strike="sngStrike" dirty="0" err="1">
+                <a:latin typeface="Arial" panose="020B0604020202020204" pitchFamily="34" charset="0"/>
+                <a:cs typeface="Arial" panose="020B0604020202020204" pitchFamily="34" charset="0"/>
+              </a:rPr>
+              <a:t>d</a:t>
+            </a:r>
+            <a:r>
+              <a:rPr kumimoji="1" lang="en-US" altLang="ja-JP" strike="sngStrike" dirty="0" err="1">
+                <a:latin typeface="Arial" panose="020B0604020202020204" pitchFamily="34" charset="0"/>
+                <a:cs typeface="Arial" panose="020B0604020202020204" pitchFamily="34" charset="0"/>
+              </a:rPr>
+              <a:t>f_</a:t>
+            </a:r>
+            <a:r>
+              <a:rPr lang="en-US" altLang="ja-JP" strike="sngStrike" dirty="0" err="1">
+                <a:latin typeface="Arial" panose="020B0604020202020204" pitchFamily="34" charset="0"/>
+                <a:cs typeface="Arial" panose="020B0604020202020204" pitchFamily="34" charset="0"/>
+              </a:rPr>
+              <a:t>times</a:t>
+            </a:r>
+            <a:r>
+              <a:rPr kumimoji="1" lang="ja-JP" altLang="en-US" strike="sngStrike" dirty="0">
+                <a:latin typeface="Arial" panose="020B0604020202020204" pitchFamily="34" charset="0"/>
+                <a:cs typeface="Arial" panose="020B0604020202020204" pitchFamily="34" charset="0"/>
+              </a:rPr>
+              <a:t>へデータを格納</a:t>
+            </a:r>
+          </a:p>
+        </p:txBody>
+      </p:sp>
+      <p:sp>
+        <p:nvSpPr>
+          <p:cNvPr id="4" name="正方形/長方形 3">
+            <a:extLst>
+              <a:ext uri="{FF2B5EF4-FFF2-40B4-BE49-F238E27FC236}">
+                <a16:creationId xmlns:a16="http://schemas.microsoft.com/office/drawing/2014/main" id="{232DBADB-0EEF-F287-0470-1087F7482950}"/>
+              </a:ext>
+            </a:extLst>
+          </p:cNvPr>
+          <p:cNvSpPr/>
+          <p:nvPr/>
+        </p:nvSpPr>
+        <p:spPr>
+          <a:xfrm>
+            <a:off x="88231" y="591852"/>
+            <a:ext cx="9373937" cy="1465548"/>
+          </a:xfrm>
+          <a:prstGeom prst="rect">
+            <a:avLst/>
+          </a:prstGeom>
+          <a:noFill/>
+          <a:ln w="28575">
+            <a:solidFill>
+              <a:srgbClr val="FF0000"/>
+            </a:solidFill>
+          </a:ln>
+        </p:spPr>
+        <p:style>
+          <a:lnRef idx="2">
+            <a:schemeClr val="accent1">
+              <a:shade val="15000"/>
+            </a:schemeClr>
+          </a:lnRef>
+          <a:fillRef idx="1">
+            <a:schemeClr val="accent1"/>
+          </a:fillRef>
+          <a:effectRef idx="0">
+            <a:schemeClr val="accent1"/>
+          </a:effectRef>
+          <a:fontRef idx="minor">
+            <a:schemeClr val="lt1"/>
+          </a:fontRef>
+        </p:style>
+        <p:txBody>
+          <a:bodyPr rtlCol="0" anchor="ctr"/>
+          <a:lstStyle/>
+          <a:p>
+            <a:pPr algn="ctr"/>
+            <a:endParaRPr kumimoji="1" lang="ja-JP" altLang="en-US" dirty="0"/>
+          </a:p>
+        </p:txBody>
+      </p:sp>
+    </p:spTree>
+    <p:extLst>
+      <p:ext uri="{BB962C8B-B14F-4D97-AF65-F5344CB8AC3E}">
+        <p14:creationId xmlns:p14="http://schemas.microsoft.com/office/powerpoint/2010/main" val="43181352"/>
+      </p:ext>
+    </p:extLst>
+  </p:cSld>
+  <p:clrMapOvr>
+    <a:masterClrMapping/>
+  </p:clrMapOvr>
+</p:sld>
+</file>
+
+<file path=ppt/slides/slide5.xml><?xml version="1.0" encoding="utf-8"?>
+<p:sld xmlns:a="http://schemas.openxmlformats.org/drawingml/2006/main" xmlns:r="http://schemas.openxmlformats.org/officeDocument/2006/relationships" xmlns:p="http://schemas.openxmlformats.org/presentationml/2006/main">
+  <p:cSld>
+    <p:spTree>
+      <p:nvGrpSpPr>
+        <p:cNvPr id="1" name=""/>
+        <p:cNvGrpSpPr/>
+        <p:nvPr/>
+      </p:nvGrpSpPr>
+      <p:grpSpPr>
+        <a:xfrm>
+          <a:off x="0" y="0"/>
+          <a:ext cx="0" cy="0"/>
+          <a:chOff x="0" y="0"/>
+          <a:chExt cx="0" cy="0"/>
+        </a:xfrm>
+      </p:grpSpPr>
+      <p:sp>
+        <p:nvSpPr>
+          <p:cNvPr id="1025" name="テキスト ボックス 1024">
+            <a:extLst>
+              <a:ext uri="{FF2B5EF4-FFF2-40B4-BE49-F238E27FC236}">
+                <a16:creationId xmlns:a16="http://schemas.microsoft.com/office/drawing/2014/main" id="{986C44BF-33EA-F490-4127-B24F00D2C585}"/>
+              </a:ext>
+            </a:extLst>
+          </p:cNvPr>
+          <p:cNvSpPr txBox="1"/>
+          <p:nvPr/>
+        </p:nvSpPr>
+        <p:spPr>
+          <a:xfrm>
+            <a:off x="-7622" y="0"/>
+            <a:ext cx="2070100" cy="461665"/>
+          </a:xfrm>
+          <a:prstGeom prst="rect">
+            <a:avLst/>
+          </a:prstGeom>
+          <a:noFill/>
+        </p:spPr>
+        <p:txBody>
+          <a:bodyPr wrap="square" rtlCol="0">
+            <a:spAutoFit/>
+          </a:bodyPr>
+          <a:lstStyle/>
+          <a:p>
+            <a:r>
+              <a:rPr kumimoji="1" lang="en-US" altLang="ja-JP" sz="2400" b="1" dirty="0">
+                <a:effectLst>
+                  <a:outerShdw blurRad="38100" dist="38100" dir="2700000" algn="tl">
+                    <a:srgbClr val="000000">
+                      <a:alpha val="43137"/>
+                    </a:srgbClr>
+                  </a:outerShdw>
+                </a:effectLst>
+              </a:rPr>
+              <a:t>Step1</a:t>
+            </a:r>
+            <a:endParaRPr kumimoji="1" lang="ja-JP" altLang="en-US" sz="2400" b="1" dirty="0">
+              <a:effectLst>
+                <a:outerShdw blurRad="38100" dist="38100" dir="2700000" algn="tl">
+                  <a:srgbClr val="000000">
+                    <a:alpha val="43137"/>
+                  </a:srgbClr>
+                </a:outerShdw>
+              </a:effectLst>
+            </a:endParaRPr>
+          </a:p>
+        </p:txBody>
+      </p:sp>
+      <p:grpSp>
+        <p:nvGrpSpPr>
+          <p:cNvPr id="48" name="グループ化 47">
+            <a:extLst>
+              <a:ext uri="{FF2B5EF4-FFF2-40B4-BE49-F238E27FC236}">
+                <a16:creationId xmlns:a16="http://schemas.microsoft.com/office/drawing/2014/main" id="{EC0C0B2F-49E3-FE5D-5CC6-C1649D7036BD}"/>
+              </a:ext>
+            </a:extLst>
+          </p:cNvPr>
+          <p:cNvGrpSpPr/>
+          <p:nvPr/>
+        </p:nvGrpSpPr>
+        <p:grpSpPr>
+          <a:xfrm>
+            <a:off x="9642866" y="0"/>
+            <a:ext cx="2710000" cy="2450139"/>
+            <a:chOff x="9482000" y="0"/>
+            <a:chExt cx="2710000" cy="2450139"/>
+          </a:xfrm>
+        </p:grpSpPr>
+        <p:pic>
+          <p:nvPicPr>
+            <p:cNvPr id="29" name="図 28">
+              <a:extLst>
+                <a:ext uri="{FF2B5EF4-FFF2-40B4-BE49-F238E27FC236}">
+                  <a16:creationId xmlns:a16="http://schemas.microsoft.com/office/drawing/2014/main" id="{9DE3CB48-4298-A5D6-3410-CB8C2428C989}"/>
+                </a:ext>
+              </a:extLst>
+            </p:cNvPr>
+            <p:cNvPicPr>
+              <a:picLocks noChangeAspect="1"/>
+            </p:cNvPicPr>
+            <p:nvPr/>
+          </p:nvPicPr>
+          <p:blipFill>
+            <a:blip r:embed="rId2"/>
+            <a:stretch>
+              <a:fillRect/>
+            </a:stretch>
+          </p:blipFill>
+          <p:spPr>
+            <a:xfrm>
+              <a:off x="9482000" y="118533"/>
+              <a:ext cx="2710000" cy="2331606"/>
+            </a:xfrm>
+            <a:prstGeom prst="rect">
+              <a:avLst/>
+            </a:prstGeom>
+          </p:spPr>
+        </p:pic>
+        <p:sp>
+          <p:nvSpPr>
+            <p:cNvPr id="31" name="正方形/長方形 30">
+              <a:extLst>
+                <a:ext uri="{FF2B5EF4-FFF2-40B4-BE49-F238E27FC236}">
+                  <a16:creationId xmlns:a16="http://schemas.microsoft.com/office/drawing/2014/main" id="{246515D4-14D6-2F1F-56FB-151EAFC2A6DB}"/>
+                </a:ext>
+              </a:extLst>
+            </p:cNvPr>
+            <p:cNvSpPr/>
+            <p:nvPr/>
+          </p:nvSpPr>
+          <p:spPr>
+            <a:xfrm>
+              <a:off x="9550401" y="0"/>
+              <a:ext cx="774700" cy="1464733"/>
+            </a:xfrm>
+            <a:prstGeom prst="rect">
+              <a:avLst/>
+            </a:prstGeom>
+            <a:noFill/>
+            <a:ln w="28575">
+              <a:solidFill>
+                <a:schemeClr val="accent1"/>
+              </a:solidFill>
+            </a:ln>
+          </p:spPr>
+          <p:style>
+            <a:lnRef idx="2">
+              <a:schemeClr val="accent1">
+                <a:shade val="15000"/>
+              </a:schemeClr>
+            </a:lnRef>
+            <a:fillRef idx="1">
+              <a:schemeClr val="accent1"/>
+            </a:fillRef>
+            <a:effectRef idx="0">
+              <a:schemeClr val="accent1"/>
+            </a:effectRef>
+            <a:fontRef idx="minor">
+              <a:schemeClr val="lt1"/>
+            </a:fontRef>
+          </p:style>
+          <p:txBody>
+            <a:bodyPr rtlCol="0" anchor="ctr"/>
+            <a:lstStyle/>
+            <a:p>
+              <a:pPr algn="ctr"/>
+              <a:endParaRPr kumimoji="1" lang="ja-JP" altLang="en-US" dirty="0"/>
+            </a:p>
+          </p:txBody>
+        </p:sp>
+        <p:sp>
+          <p:nvSpPr>
+            <p:cNvPr id="41" name="正方形/長方形 40">
+              <a:extLst>
+                <a:ext uri="{FF2B5EF4-FFF2-40B4-BE49-F238E27FC236}">
+                  <a16:creationId xmlns:a16="http://schemas.microsoft.com/office/drawing/2014/main" id="{7C2CC9AB-228F-A9C1-B470-A325BF300050}"/>
+                </a:ext>
+              </a:extLst>
+            </p:cNvPr>
+            <p:cNvSpPr/>
+            <p:nvPr/>
+          </p:nvSpPr>
+          <p:spPr>
+            <a:xfrm>
+              <a:off x="10393502" y="0"/>
+              <a:ext cx="774700" cy="1464733"/>
+            </a:xfrm>
+            <a:prstGeom prst="rect">
+              <a:avLst/>
+            </a:prstGeom>
+            <a:noFill/>
+            <a:ln w="28575">
+              <a:solidFill>
+                <a:schemeClr val="accent1"/>
+              </a:solidFill>
+            </a:ln>
+          </p:spPr>
+          <p:style>
+            <a:lnRef idx="2">
+              <a:schemeClr val="accent1">
+                <a:shade val="15000"/>
+              </a:schemeClr>
+            </a:lnRef>
+            <a:fillRef idx="1">
+              <a:schemeClr val="accent1"/>
+            </a:fillRef>
+            <a:effectRef idx="0">
+              <a:schemeClr val="accent1"/>
+            </a:effectRef>
+            <a:fontRef idx="minor">
+              <a:schemeClr val="lt1"/>
+            </a:fontRef>
+          </p:style>
+          <p:txBody>
+            <a:bodyPr rtlCol="0" anchor="ctr"/>
+            <a:lstStyle/>
+            <a:p>
+              <a:pPr algn="ctr"/>
+              <a:endParaRPr kumimoji="1" lang="ja-JP" altLang="en-US" dirty="0"/>
+            </a:p>
+          </p:txBody>
+        </p:sp>
+        <p:sp>
+          <p:nvSpPr>
+            <p:cNvPr id="42" name="正方形/長方形 41">
+              <a:extLst>
+                <a:ext uri="{FF2B5EF4-FFF2-40B4-BE49-F238E27FC236}">
+                  <a16:creationId xmlns:a16="http://schemas.microsoft.com/office/drawing/2014/main" id="{3E2F45F2-6A9E-889A-17E4-B88032B179A0}"/>
+                </a:ext>
+              </a:extLst>
+            </p:cNvPr>
+            <p:cNvSpPr/>
+            <p:nvPr/>
+          </p:nvSpPr>
+          <p:spPr>
+            <a:xfrm>
+              <a:off x="11236603" y="0"/>
+              <a:ext cx="774700" cy="1464733"/>
+            </a:xfrm>
+            <a:prstGeom prst="rect">
+              <a:avLst/>
+            </a:prstGeom>
+            <a:noFill/>
+            <a:ln w="28575">
+              <a:solidFill>
+                <a:schemeClr val="accent1"/>
+              </a:solidFill>
+            </a:ln>
+          </p:spPr>
+          <p:style>
+            <a:lnRef idx="2">
+              <a:schemeClr val="accent1">
+                <a:shade val="15000"/>
+              </a:schemeClr>
+            </a:lnRef>
+            <a:fillRef idx="1">
+              <a:schemeClr val="accent1"/>
+            </a:fillRef>
+            <a:effectRef idx="0">
+              <a:schemeClr val="accent1"/>
+            </a:effectRef>
+            <a:fontRef idx="minor">
+              <a:schemeClr val="lt1"/>
+            </a:fontRef>
+          </p:style>
+          <p:txBody>
+            <a:bodyPr rtlCol="0" anchor="ctr"/>
+            <a:lstStyle/>
+            <a:p>
+              <a:pPr algn="ctr"/>
+              <a:endParaRPr kumimoji="1" lang="ja-JP" altLang="en-US" dirty="0"/>
+            </a:p>
+          </p:txBody>
+        </p:sp>
+      </p:grpSp>
+      <p:graphicFrame>
+        <p:nvGraphicFramePr>
+          <p:cNvPr id="57" name="表 56">
+            <a:extLst>
+              <a:ext uri="{FF2B5EF4-FFF2-40B4-BE49-F238E27FC236}">
+                <a16:creationId xmlns:a16="http://schemas.microsoft.com/office/drawing/2014/main" id="{08D829BF-E227-108E-6317-8F2E6A02A45D}"/>
+              </a:ext>
+            </a:extLst>
+          </p:cNvPr>
+          <p:cNvGraphicFramePr>
+            <a:graphicFrameLocks noGrp="1"/>
+          </p:cNvGraphicFramePr>
+          <p:nvPr>
+            <p:extLst>
+              <p:ext uri="{D42A27DB-BD31-4B8C-83A1-F6EECF244321}">
+                <p14:modId xmlns:p14="http://schemas.microsoft.com/office/powerpoint/2010/main" val="3170164776"/>
+              </p:ext>
+            </p:extLst>
+          </p:nvPr>
+        </p:nvGraphicFramePr>
+        <p:xfrm>
+          <a:off x="101600" y="1646805"/>
+          <a:ext cx="9338730" cy="1483360"/>
+        </p:xfrm>
+        <a:graphic>
+          <a:graphicData uri="http://schemas.openxmlformats.org/drawingml/2006/table">
+            <a:tbl>
+              <a:tblPr firstRow="1" bandRow="1">
+                <a:tableStyleId>{5940675A-B579-460E-94D1-54222C63F5DA}</a:tableStyleId>
+              </a:tblPr>
+              <a:tblGrid>
+                <a:gridCol w="933873">
+                  <a:extLst>
+                    <a:ext uri="{9D8B030D-6E8A-4147-A177-3AD203B41FA5}">
+                      <a16:colId xmlns:a16="http://schemas.microsoft.com/office/drawing/2014/main" val="4001759719"/>
+                    </a:ext>
+                  </a:extLst>
+                </a:gridCol>
+                <a:gridCol w="933873">
+                  <a:extLst>
+                    <a:ext uri="{9D8B030D-6E8A-4147-A177-3AD203B41FA5}">
+                      <a16:colId xmlns:a16="http://schemas.microsoft.com/office/drawing/2014/main" val="1617401125"/>
+                    </a:ext>
+                  </a:extLst>
+                </a:gridCol>
+                <a:gridCol w="933873">
+                  <a:extLst>
+                    <a:ext uri="{9D8B030D-6E8A-4147-A177-3AD203B41FA5}">
+                      <a16:colId xmlns:a16="http://schemas.microsoft.com/office/drawing/2014/main" val="1356442674"/>
+                    </a:ext>
+                  </a:extLst>
+                </a:gridCol>
+                <a:gridCol w="933873">
+                  <a:extLst>
+                    <a:ext uri="{9D8B030D-6E8A-4147-A177-3AD203B41FA5}">
+                      <a16:colId xmlns:a16="http://schemas.microsoft.com/office/drawing/2014/main" val="3811345754"/>
+                    </a:ext>
+                  </a:extLst>
+                </a:gridCol>
+                <a:gridCol w="933873">
+                  <a:extLst>
+                    <a:ext uri="{9D8B030D-6E8A-4147-A177-3AD203B41FA5}">
+                      <a16:colId xmlns:a16="http://schemas.microsoft.com/office/drawing/2014/main" val="3984879739"/>
+                    </a:ext>
+                  </a:extLst>
+                </a:gridCol>
+                <a:gridCol w="933873">
+                  <a:extLst>
+                    <a:ext uri="{9D8B030D-6E8A-4147-A177-3AD203B41FA5}">
+                      <a16:colId xmlns:a16="http://schemas.microsoft.com/office/drawing/2014/main" val="3293856077"/>
+                    </a:ext>
+                  </a:extLst>
+                </a:gridCol>
+                <a:gridCol w="933873">
+                  <a:extLst>
+                    <a:ext uri="{9D8B030D-6E8A-4147-A177-3AD203B41FA5}">
+                      <a16:colId xmlns:a16="http://schemas.microsoft.com/office/drawing/2014/main" val="1038231679"/>
+                    </a:ext>
+                  </a:extLst>
+                </a:gridCol>
+                <a:gridCol w="933873">
+                  <a:extLst>
+                    <a:ext uri="{9D8B030D-6E8A-4147-A177-3AD203B41FA5}">
+                      <a16:colId xmlns:a16="http://schemas.microsoft.com/office/drawing/2014/main" val="3357014289"/>
+                    </a:ext>
+                  </a:extLst>
+                </a:gridCol>
+                <a:gridCol w="933873">
+                  <a:extLst>
+                    <a:ext uri="{9D8B030D-6E8A-4147-A177-3AD203B41FA5}">
+                      <a16:colId xmlns:a16="http://schemas.microsoft.com/office/drawing/2014/main" val="2131664033"/>
+                    </a:ext>
+                  </a:extLst>
+                </a:gridCol>
+                <a:gridCol w="933873">
+                  <a:extLst>
+                    <a:ext uri="{9D8B030D-6E8A-4147-A177-3AD203B41FA5}">
+                      <a16:colId xmlns:a16="http://schemas.microsoft.com/office/drawing/2014/main" val="3074327475"/>
+                    </a:ext>
+                  </a:extLst>
+                </a:gridCol>
+              </a:tblGrid>
+              <a:tr h="370840">
+                <a:tc>
+                  <a:txBody>
+                    <a:bodyPr/>
+                    <a:lstStyle/>
+                    <a:p>
+                      <a:pPr algn="ctr"/>
+                      <a:r>
+                        <a:rPr kumimoji="1" lang="en-US" altLang="ja-JP" sz="900" dirty="0"/>
+                        <a:t>address</a:t>
+                      </a:r>
+                      <a:endParaRPr kumimoji="1" lang="ja-JP" altLang="en-US" sz="900" dirty="0"/>
+                    </a:p>
+                  </a:txBody>
+                  <a:tcPr anchor="ctr"/>
+                </a:tc>
+                <a:tc>
+                  <a:txBody>
+                    <a:bodyPr/>
+                    <a:lstStyle/>
+                    <a:p>
+                      <a:pPr algn="ctr"/>
+                      <a:r>
+                        <a:rPr kumimoji="1" lang="en-US" altLang="ja-JP" sz="900" dirty="0" err="1"/>
+                        <a:t>parking_name</a:t>
+                      </a:r>
+                      <a:endParaRPr kumimoji="1" lang="ja-JP" altLang="en-US" sz="900" dirty="0"/>
+                    </a:p>
+                  </a:txBody>
+                  <a:tcPr anchor="ctr"/>
+                </a:tc>
+                <a:tc>
+                  <a:txBody>
+                    <a:bodyPr/>
+                    <a:lstStyle/>
+                    <a:p>
+                      <a:pPr algn="ctr"/>
+                      <a:r>
+                        <a:rPr kumimoji="1" lang="en-US" altLang="ja-JP" sz="900" dirty="0" err="1"/>
+                        <a:t>max_charge</a:t>
+                      </a:r>
+                      <a:endParaRPr kumimoji="1" lang="ja-JP" altLang="en-US" sz="900" dirty="0"/>
+                    </a:p>
+                  </a:txBody>
+                  <a:tcPr anchor="ctr"/>
+                </a:tc>
+                <a:tc>
+                  <a:txBody>
+                    <a:bodyPr/>
+                    <a:lstStyle/>
+                    <a:p>
+                      <a:pPr algn="ctr"/>
+                      <a:r>
+                        <a:rPr kumimoji="1" lang="en-US" altLang="ja-JP" sz="900" dirty="0" err="1"/>
+                        <a:t>time_unit</a:t>
+                      </a:r>
+                      <a:endParaRPr kumimoji="1" lang="ja-JP" altLang="en-US" sz="900" dirty="0"/>
+                    </a:p>
+                  </a:txBody>
+                  <a:tcPr anchor="ctr"/>
+                </a:tc>
+                <a:tc>
+                  <a:txBody>
+                    <a:bodyPr/>
+                    <a:lstStyle/>
+                    <a:p>
+                      <a:pPr algn="ctr"/>
+                      <a:endParaRPr kumimoji="1" lang="ja-JP" altLang="en-US" sz="900" dirty="0"/>
+                    </a:p>
+                  </a:txBody>
+                  <a:tcPr anchor="ctr"/>
+                </a:tc>
+                <a:tc>
+                  <a:txBody>
+                    <a:bodyPr/>
+                    <a:lstStyle/>
+                    <a:p>
+                      <a:pPr algn="ctr"/>
+                      <a:endParaRPr kumimoji="1" lang="ja-JP" altLang="en-US" sz="900"/>
+                    </a:p>
+                  </a:txBody>
+                  <a:tcPr anchor="ctr"/>
+                </a:tc>
+                <a:tc>
+                  <a:txBody>
+                    <a:bodyPr/>
+                    <a:lstStyle/>
+                    <a:p>
+                      <a:pPr algn="ctr"/>
+                      <a:endParaRPr kumimoji="1" lang="ja-JP" altLang="en-US" sz="900"/>
+                    </a:p>
+                  </a:txBody>
+                  <a:tcPr anchor="ctr"/>
+                </a:tc>
+                <a:tc>
+                  <a:txBody>
+                    <a:bodyPr/>
+                    <a:lstStyle/>
+                    <a:p>
+                      <a:pPr algn="ctr"/>
+                      <a:endParaRPr kumimoji="1" lang="ja-JP" altLang="en-US" sz="900"/>
+                    </a:p>
+                  </a:txBody>
+                  <a:tcPr anchor="ctr"/>
+                </a:tc>
+                <a:tc>
+                  <a:txBody>
+                    <a:bodyPr/>
+                    <a:lstStyle/>
+                    <a:p>
+                      <a:pPr algn="ctr"/>
+                      <a:endParaRPr kumimoji="1" lang="ja-JP" altLang="en-US" sz="900"/>
+                    </a:p>
+                  </a:txBody>
+                  <a:tcPr anchor="ctr"/>
+                </a:tc>
+                <a:tc>
+                  <a:txBody>
+                    <a:bodyPr/>
+                    <a:lstStyle/>
+                    <a:p>
+                      <a:pPr algn="ctr"/>
+                      <a:endParaRPr kumimoji="1" lang="ja-JP" altLang="en-US" sz="900"/>
+                    </a:p>
+                  </a:txBody>
+                  <a:tcPr anchor="ctr"/>
+                </a:tc>
+                <a:extLst>
+                  <a:ext uri="{0D108BD9-81ED-4DB2-BD59-A6C34878D82A}">
+                    <a16:rowId xmlns:a16="http://schemas.microsoft.com/office/drawing/2014/main" val="1819241625"/>
+                  </a:ext>
+                </a:extLst>
+              </a:tr>
+              <a:tr h="370840">
+                <a:tc>
+                  <a:txBody>
+                    <a:bodyPr/>
+                    <a:lstStyle/>
+                    <a:p>
+                      <a:pPr algn="ctr"/>
+                      <a:endParaRPr kumimoji="1" lang="ja-JP" altLang="en-US" sz="900" dirty="0"/>
+                    </a:p>
+                  </a:txBody>
+                  <a:tcPr anchor="ctr"/>
+                </a:tc>
+                <a:tc>
+                  <a:txBody>
+                    <a:bodyPr/>
+                    <a:lstStyle/>
+                    <a:p>
+                      <a:pPr algn="ctr"/>
+                      <a:endParaRPr kumimoji="1" lang="ja-JP" altLang="en-US" sz="900" dirty="0"/>
+                    </a:p>
+                  </a:txBody>
+                  <a:tcPr anchor="ctr"/>
+                </a:tc>
+                <a:tc>
+                  <a:txBody>
+                    <a:bodyPr/>
+                    <a:lstStyle/>
+                    <a:p>
+                      <a:pPr algn="ctr"/>
+                      <a:endParaRPr kumimoji="1" lang="ja-JP" altLang="en-US" sz="900"/>
+                    </a:p>
+                  </a:txBody>
+                  <a:tcPr anchor="ctr"/>
+                </a:tc>
+                <a:tc>
+                  <a:txBody>
+                    <a:bodyPr/>
+                    <a:lstStyle/>
+                    <a:p>
+                      <a:pPr algn="ctr"/>
+                      <a:endParaRPr kumimoji="1" lang="ja-JP" altLang="en-US" sz="900"/>
+                    </a:p>
+                  </a:txBody>
+                  <a:tcPr anchor="ctr"/>
+                </a:tc>
+                <a:tc>
+                  <a:txBody>
+                    <a:bodyPr/>
+                    <a:lstStyle/>
+                    <a:p>
+                      <a:pPr algn="ctr"/>
+                      <a:endParaRPr kumimoji="1" lang="ja-JP" altLang="en-US" sz="900"/>
+                    </a:p>
+                  </a:txBody>
+                  <a:tcPr anchor="ctr"/>
+                </a:tc>
+                <a:tc>
+                  <a:txBody>
+                    <a:bodyPr/>
+                    <a:lstStyle/>
+                    <a:p>
+                      <a:pPr algn="ctr"/>
+                      <a:endParaRPr kumimoji="1" lang="ja-JP" altLang="en-US" sz="900"/>
+                    </a:p>
+                  </a:txBody>
+                  <a:tcPr anchor="ctr"/>
+                </a:tc>
+                <a:tc>
+                  <a:txBody>
+                    <a:bodyPr/>
+                    <a:lstStyle/>
+                    <a:p>
+                      <a:pPr algn="ctr"/>
+                      <a:endParaRPr kumimoji="1" lang="ja-JP" altLang="en-US" sz="900"/>
+                    </a:p>
+                  </a:txBody>
+                  <a:tcPr anchor="ctr"/>
+                </a:tc>
+                <a:tc>
+                  <a:txBody>
+                    <a:bodyPr/>
+                    <a:lstStyle/>
+                    <a:p>
+                      <a:pPr algn="ctr"/>
+                      <a:endParaRPr kumimoji="1" lang="ja-JP" altLang="en-US" sz="900"/>
+                    </a:p>
+                  </a:txBody>
+                  <a:tcPr anchor="ctr"/>
+                </a:tc>
+                <a:tc>
+                  <a:txBody>
+                    <a:bodyPr/>
+                    <a:lstStyle/>
+                    <a:p>
+                      <a:pPr algn="ctr"/>
+                      <a:endParaRPr kumimoji="1" lang="ja-JP" altLang="en-US" sz="900"/>
+                    </a:p>
+                  </a:txBody>
+                  <a:tcPr anchor="ctr"/>
+                </a:tc>
+                <a:tc>
+                  <a:txBody>
+                    <a:bodyPr/>
+                    <a:lstStyle/>
+                    <a:p>
+                      <a:pPr algn="ctr"/>
+                      <a:endParaRPr kumimoji="1" lang="ja-JP" altLang="en-US" sz="900"/>
+                    </a:p>
+                  </a:txBody>
+                  <a:tcPr anchor="ctr"/>
+                </a:tc>
+                <a:extLst>
+                  <a:ext uri="{0D108BD9-81ED-4DB2-BD59-A6C34878D82A}">
+                    <a16:rowId xmlns:a16="http://schemas.microsoft.com/office/drawing/2014/main" val="3432633411"/>
+                  </a:ext>
+                </a:extLst>
+              </a:tr>
+              <a:tr h="370840">
+                <a:tc>
+                  <a:txBody>
+                    <a:bodyPr/>
+                    <a:lstStyle/>
+                    <a:p>
+                      <a:pPr algn="ctr"/>
+                      <a:endParaRPr kumimoji="1" lang="ja-JP" altLang="en-US" sz="900"/>
+                    </a:p>
+                  </a:txBody>
+                  <a:tcPr anchor="ctr"/>
+                </a:tc>
+                <a:tc>
+                  <a:txBody>
+                    <a:bodyPr/>
+                    <a:lstStyle/>
+                    <a:p>
+                      <a:pPr algn="ctr"/>
+                      <a:endParaRPr kumimoji="1" lang="ja-JP" altLang="en-US" sz="900" dirty="0"/>
+                    </a:p>
+                  </a:txBody>
+                  <a:tcPr anchor="ctr"/>
+                </a:tc>
+                <a:tc>
+                  <a:txBody>
+                    <a:bodyPr/>
+                    <a:lstStyle/>
+                    <a:p>
+                      <a:pPr algn="ctr"/>
+                      <a:endParaRPr kumimoji="1" lang="ja-JP" altLang="en-US" sz="900"/>
+                    </a:p>
+                  </a:txBody>
+                  <a:tcPr anchor="ctr"/>
+                </a:tc>
+                <a:tc>
+                  <a:txBody>
+                    <a:bodyPr/>
+                    <a:lstStyle/>
+                    <a:p>
+                      <a:pPr algn="ctr"/>
+                      <a:endParaRPr kumimoji="1" lang="ja-JP" altLang="en-US" sz="900"/>
+                    </a:p>
+                  </a:txBody>
+                  <a:tcPr anchor="ctr"/>
+                </a:tc>
+                <a:tc>
+                  <a:txBody>
+                    <a:bodyPr/>
+                    <a:lstStyle/>
+                    <a:p>
+                      <a:pPr algn="ctr"/>
+                      <a:endParaRPr kumimoji="1" lang="ja-JP" altLang="en-US" sz="900"/>
+                    </a:p>
+                  </a:txBody>
+                  <a:tcPr anchor="ctr"/>
+                </a:tc>
+                <a:tc>
+                  <a:txBody>
+                    <a:bodyPr/>
+                    <a:lstStyle/>
+                    <a:p>
+                      <a:pPr algn="ctr"/>
+                      <a:endParaRPr kumimoji="1" lang="ja-JP" altLang="en-US" sz="900"/>
+                    </a:p>
+                  </a:txBody>
+                  <a:tcPr anchor="ctr"/>
+                </a:tc>
+                <a:tc>
+                  <a:txBody>
+                    <a:bodyPr/>
+                    <a:lstStyle/>
+                    <a:p>
+                      <a:pPr algn="ctr"/>
+                      <a:endParaRPr kumimoji="1" lang="ja-JP" altLang="en-US" sz="900"/>
+                    </a:p>
+                  </a:txBody>
+                  <a:tcPr anchor="ctr"/>
+                </a:tc>
+                <a:tc>
+                  <a:txBody>
+                    <a:bodyPr/>
+                    <a:lstStyle/>
+                    <a:p>
+                      <a:pPr algn="ctr"/>
+                      <a:endParaRPr kumimoji="1" lang="ja-JP" altLang="en-US" sz="900"/>
+                    </a:p>
+                  </a:txBody>
+                  <a:tcPr anchor="ctr"/>
+                </a:tc>
+                <a:tc>
+                  <a:txBody>
+                    <a:bodyPr/>
+                    <a:lstStyle/>
+                    <a:p>
+                      <a:pPr algn="ctr"/>
+                      <a:endParaRPr kumimoji="1" lang="ja-JP" altLang="en-US" sz="900"/>
+                    </a:p>
+                  </a:txBody>
+                  <a:tcPr anchor="ctr"/>
+                </a:tc>
+                <a:tc>
+                  <a:txBody>
+                    <a:bodyPr/>
+                    <a:lstStyle/>
+                    <a:p>
+                      <a:pPr algn="ctr"/>
+                      <a:endParaRPr kumimoji="1" lang="ja-JP" altLang="en-US" sz="900"/>
+                    </a:p>
+                  </a:txBody>
+                  <a:tcPr anchor="ctr"/>
+                </a:tc>
+                <a:extLst>
+                  <a:ext uri="{0D108BD9-81ED-4DB2-BD59-A6C34878D82A}">
+                    <a16:rowId xmlns:a16="http://schemas.microsoft.com/office/drawing/2014/main" val="267125452"/>
+                  </a:ext>
+                </a:extLst>
+              </a:tr>
+              <a:tr h="370840">
+                <a:tc>
+                  <a:txBody>
+                    <a:bodyPr/>
+                    <a:lstStyle/>
+                    <a:p>
+                      <a:pPr algn="ctr"/>
+                      <a:endParaRPr kumimoji="1" lang="ja-JP" altLang="en-US" sz="900"/>
+                    </a:p>
+                  </a:txBody>
+                  <a:tcPr anchor="ctr"/>
+                </a:tc>
+                <a:tc>
+                  <a:txBody>
+                    <a:bodyPr/>
+                    <a:lstStyle/>
+                    <a:p>
+                      <a:pPr algn="ctr"/>
+                      <a:endParaRPr kumimoji="1" lang="ja-JP" altLang="en-US" sz="900" dirty="0"/>
+                    </a:p>
+                  </a:txBody>
+                  <a:tcPr anchor="ctr"/>
+                </a:tc>
+                <a:tc>
+                  <a:txBody>
+                    <a:bodyPr/>
+                    <a:lstStyle/>
+                    <a:p>
+                      <a:pPr algn="ctr"/>
+                      <a:endParaRPr kumimoji="1" lang="ja-JP" altLang="en-US" sz="900"/>
+                    </a:p>
+                  </a:txBody>
+                  <a:tcPr anchor="ctr"/>
+                </a:tc>
+                <a:tc>
+                  <a:txBody>
+                    <a:bodyPr/>
+                    <a:lstStyle/>
+                    <a:p>
+                      <a:pPr algn="ctr"/>
+                      <a:endParaRPr kumimoji="1" lang="ja-JP" altLang="en-US" sz="900" dirty="0"/>
+                    </a:p>
+                  </a:txBody>
+                  <a:tcPr anchor="ctr"/>
+                </a:tc>
+                <a:tc>
+                  <a:txBody>
+                    <a:bodyPr/>
+                    <a:lstStyle/>
+                    <a:p>
+                      <a:pPr algn="ctr"/>
+                      <a:endParaRPr kumimoji="1" lang="ja-JP" altLang="en-US" sz="900"/>
+                    </a:p>
+                  </a:txBody>
+                  <a:tcPr anchor="ctr"/>
+                </a:tc>
+                <a:tc>
+                  <a:txBody>
+                    <a:bodyPr/>
+                    <a:lstStyle/>
+                    <a:p>
+                      <a:pPr algn="ctr"/>
+                      <a:endParaRPr kumimoji="1" lang="ja-JP" altLang="en-US" sz="900"/>
+                    </a:p>
+                  </a:txBody>
+                  <a:tcPr anchor="ctr"/>
+                </a:tc>
+                <a:tc>
+                  <a:txBody>
+                    <a:bodyPr/>
+                    <a:lstStyle/>
+                    <a:p>
+                      <a:pPr algn="ctr"/>
+                      <a:endParaRPr kumimoji="1" lang="ja-JP" altLang="en-US" sz="900"/>
+                    </a:p>
+                  </a:txBody>
+                  <a:tcPr anchor="ctr"/>
+                </a:tc>
+                <a:tc>
+                  <a:txBody>
+                    <a:bodyPr/>
+                    <a:lstStyle/>
+                    <a:p>
+                      <a:pPr algn="ctr"/>
+                      <a:endParaRPr kumimoji="1" lang="ja-JP" altLang="en-US" sz="900"/>
+                    </a:p>
+                  </a:txBody>
+                  <a:tcPr anchor="ctr"/>
+                </a:tc>
+                <a:tc>
+                  <a:txBody>
+                    <a:bodyPr/>
+                    <a:lstStyle/>
+                    <a:p>
+                      <a:pPr algn="ctr"/>
+                      <a:endParaRPr kumimoji="1" lang="ja-JP" altLang="en-US" sz="900"/>
+                    </a:p>
+                  </a:txBody>
+                  <a:tcPr anchor="ctr"/>
+                </a:tc>
+                <a:tc>
+                  <a:txBody>
+                    <a:bodyPr/>
+                    <a:lstStyle/>
+                    <a:p>
+                      <a:pPr algn="ctr"/>
+                      <a:endParaRPr kumimoji="1" lang="ja-JP" altLang="en-US" sz="900" dirty="0"/>
+                    </a:p>
+                  </a:txBody>
+                  <a:tcPr anchor="ctr"/>
+                </a:tc>
+                <a:extLst>
+                  <a:ext uri="{0D108BD9-81ED-4DB2-BD59-A6C34878D82A}">
+                    <a16:rowId xmlns:a16="http://schemas.microsoft.com/office/drawing/2014/main" val="4282780228"/>
+                  </a:ext>
+                </a:extLst>
+              </a:tr>
+            </a:tbl>
+          </a:graphicData>
+        </a:graphic>
+      </p:graphicFrame>
+      <p:sp>
+        <p:nvSpPr>
+          <p:cNvPr id="58" name="テキスト ボックス 57">
+            <a:extLst>
+              <a:ext uri="{FF2B5EF4-FFF2-40B4-BE49-F238E27FC236}">
+                <a16:creationId xmlns:a16="http://schemas.microsoft.com/office/drawing/2014/main" id="{A2D921BE-26EE-77E0-3423-5962EFCF22D5}"/>
+              </a:ext>
+            </a:extLst>
+          </p:cNvPr>
+          <p:cNvSpPr txBox="1"/>
+          <p:nvPr/>
+        </p:nvSpPr>
+        <p:spPr>
+          <a:xfrm>
+            <a:off x="724522" y="3367232"/>
+            <a:ext cx="4769564" cy="1477328"/>
+          </a:xfrm>
+          <a:prstGeom prst="rect">
+            <a:avLst/>
+          </a:prstGeom>
+          <a:noFill/>
+        </p:spPr>
+        <p:txBody>
+          <a:bodyPr wrap="square" rtlCol="0">
+            <a:spAutoFit/>
+          </a:bodyPr>
+          <a:lstStyle/>
+          <a:p>
+            <a:pPr marL="285750" indent="-285750">
+              <a:buFont typeface="Arial" panose="020B0604020202020204" pitchFamily="34" charset="0"/>
+              <a:buChar char="•"/>
+            </a:pPr>
+            <a:r>
+              <a:rPr lang="ja-JP" altLang="en-US" dirty="0"/>
+              <a:t>住所</a:t>
+            </a:r>
+            <a:endParaRPr lang="en-US" altLang="ja-JP" dirty="0"/>
+          </a:p>
+          <a:p>
+            <a:pPr marL="285750" indent="-285750">
+              <a:buFont typeface="Arial" panose="020B0604020202020204" pitchFamily="34" charset="0"/>
+              <a:buChar char="•"/>
+            </a:pPr>
+            <a:r>
+              <a:rPr lang="ja-JP" altLang="en-US" dirty="0"/>
+              <a:t>駐車場名</a:t>
+            </a:r>
+            <a:endParaRPr lang="en-US" altLang="ja-JP" dirty="0"/>
+          </a:p>
+          <a:p>
+            <a:pPr marL="285750" indent="-285750">
+              <a:buFont typeface="Arial" panose="020B0604020202020204" pitchFamily="34" charset="0"/>
+              <a:buChar char="•"/>
+            </a:pPr>
+            <a:r>
+              <a:rPr kumimoji="1" lang="ja-JP" altLang="en-US" dirty="0"/>
+              <a:t>金額</a:t>
+            </a:r>
+            <a:r>
+              <a:rPr kumimoji="1" lang="en-US" altLang="ja-JP" dirty="0"/>
+              <a:t>_</a:t>
+            </a:r>
+            <a:r>
+              <a:rPr lang="ja-JP" altLang="en-US" dirty="0"/>
+              <a:t>最大料金（時間・曜日含む）</a:t>
+            </a:r>
+            <a:endParaRPr lang="en-US" altLang="ja-JP" dirty="0"/>
+          </a:p>
+          <a:p>
+            <a:pPr marL="285750" indent="-285750">
+              <a:buFont typeface="Arial" panose="020B0604020202020204" pitchFamily="34" charset="0"/>
+              <a:buChar char="•"/>
+            </a:pPr>
+            <a:r>
+              <a:rPr kumimoji="1" lang="ja-JP" altLang="en-US" dirty="0"/>
+              <a:t>金額</a:t>
+            </a:r>
+            <a:r>
+              <a:rPr kumimoji="1" lang="en-US" altLang="ja-JP" dirty="0"/>
+              <a:t>_</a:t>
+            </a:r>
+            <a:r>
+              <a:rPr kumimoji="1" lang="ja-JP" altLang="en-US" dirty="0"/>
+              <a:t>単価（曜日・時間帯・分単位含む）</a:t>
+            </a:r>
+            <a:endParaRPr kumimoji="1" lang="en-US" altLang="ja-JP" dirty="0"/>
+          </a:p>
+          <a:p>
+            <a:pPr marL="285750" indent="-285750">
+              <a:buFont typeface="Arial" panose="020B0604020202020204" pitchFamily="34" charset="0"/>
+              <a:buChar char="•"/>
+            </a:pPr>
+            <a:r>
+              <a:rPr lang="ja-JP" altLang="en-US" dirty="0"/>
+              <a:t>空</a:t>
+            </a:r>
+            <a:r>
+              <a:rPr lang="en-US" altLang="ja-JP" dirty="0"/>
+              <a:t>/</a:t>
+            </a:r>
+            <a:r>
+              <a:rPr lang="ja-JP" altLang="en-US" dirty="0"/>
+              <a:t>満</a:t>
+            </a:r>
+            <a:endParaRPr lang="en-US" altLang="ja-JP" dirty="0"/>
+          </a:p>
+        </p:txBody>
+      </p:sp>
+    </p:spTree>
+    <p:extLst>
+      <p:ext uri="{BB962C8B-B14F-4D97-AF65-F5344CB8AC3E}">
+        <p14:creationId xmlns:p14="http://schemas.microsoft.com/office/powerpoint/2010/main" val="1890364952"/>
+      </p:ext>
+    </p:extLst>
+  </p:cSld>
+  <p:clrMapOvr>
+    <a:masterClrMapping/>
+  </p:clrMapOvr>
+</p:sld>
+</file>
+
+<file path=ppt/slides/slide6.xml><?xml version="1.0" encoding="utf-8"?>
+<p:sld xmlns:a="http://schemas.openxmlformats.org/drawingml/2006/main" xmlns:r="http://schemas.openxmlformats.org/officeDocument/2006/relationships" xmlns:p="http://schemas.openxmlformats.org/presentationml/2006/main">
+  <p:cSld>
+    <p:spTree>
+      <p:nvGrpSpPr>
+        <p:cNvPr id="1" name=""/>
+        <p:cNvGrpSpPr/>
+        <p:nvPr/>
+      </p:nvGrpSpPr>
+      <p:grpSpPr>
+        <a:xfrm>
+          <a:off x="0" y="0"/>
+          <a:ext cx="0" cy="0"/>
+          <a:chOff x="0" y="0"/>
+          <a:chExt cx="0" cy="0"/>
+        </a:xfrm>
+      </p:grpSpPr>
+      <p:sp>
+        <p:nvSpPr>
+          <p:cNvPr id="2" name="テキスト ボックス 1">
+            <a:extLst>
+              <a:ext uri="{FF2B5EF4-FFF2-40B4-BE49-F238E27FC236}">
+                <a16:creationId xmlns:a16="http://schemas.microsoft.com/office/drawing/2014/main" id="{912A9436-A655-7DCE-B2C1-5EA72E14E4B6}"/>
+              </a:ext>
+            </a:extLst>
+          </p:cNvPr>
+          <p:cNvSpPr txBox="1"/>
+          <p:nvPr/>
+        </p:nvSpPr>
+        <p:spPr>
+          <a:xfrm>
+            <a:off x="0" y="0"/>
+            <a:ext cx="4538133" cy="1200329"/>
+          </a:xfrm>
+          <a:prstGeom prst="rect">
+            <a:avLst/>
+          </a:prstGeom>
+          <a:noFill/>
+        </p:spPr>
+        <p:txBody>
+          <a:bodyPr wrap="square" rtlCol="0">
+            <a:spAutoFit/>
+          </a:bodyPr>
+          <a:lstStyle/>
+          <a:p>
+            <a:r>
+              <a:rPr kumimoji="1" lang="ja-JP" altLang="en-US" dirty="0"/>
+              <a:t>①〇時</a:t>
+            </a:r>
+            <a:r>
+              <a:rPr kumimoji="1" lang="en-US" altLang="ja-JP" dirty="0"/>
+              <a:t>~</a:t>
+            </a:r>
+            <a:r>
+              <a:rPr kumimoji="1" lang="ja-JP" altLang="en-US" dirty="0"/>
+              <a:t>△時</a:t>
+            </a:r>
+            <a:r>
+              <a:rPr kumimoji="1" lang="en-US" altLang="ja-JP" dirty="0"/>
+              <a:t>	</a:t>
+            </a:r>
+            <a:r>
+              <a:rPr kumimoji="1" lang="ja-JP" altLang="en-US" dirty="0"/>
+              <a:t>最大料金 </a:t>
+            </a:r>
+            <a:r>
+              <a:rPr lang="en-US" altLang="ja-JP" dirty="0"/>
+              <a:t>××</a:t>
+            </a:r>
+            <a:r>
+              <a:rPr lang="ja-JP" altLang="en-US" dirty="0"/>
+              <a:t>円</a:t>
+            </a:r>
+            <a:endParaRPr lang="en-US" altLang="ja-JP" dirty="0"/>
+          </a:p>
+          <a:p>
+            <a:r>
+              <a:rPr kumimoji="1" lang="ja-JP" altLang="en-US" dirty="0"/>
+              <a:t>②〇時間以内</a:t>
+            </a:r>
+            <a:r>
+              <a:rPr kumimoji="1" lang="en-US" altLang="ja-JP" dirty="0"/>
+              <a:t>	</a:t>
+            </a:r>
+            <a:r>
+              <a:rPr kumimoji="1" lang="ja-JP" altLang="en-US" dirty="0"/>
+              <a:t>最大料金 </a:t>
+            </a:r>
+            <a:r>
+              <a:rPr lang="en-US" altLang="ja-JP" dirty="0"/>
+              <a:t>××</a:t>
+            </a:r>
+            <a:r>
+              <a:rPr lang="ja-JP" altLang="en-US" dirty="0"/>
+              <a:t>円</a:t>
+            </a:r>
+            <a:endParaRPr lang="en-US" altLang="ja-JP" dirty="0"/>
+          </a:p>
+          <a:p>
+            <a:r>
+              <a:rPr lang="ja-JP" altLang="en-US" dirty="0"/>
+              <a:t>③〇時</a:t>
+            </a:r>
+            <a:r>
+              <a:rPr kumimoji="1" lang="en-US" altLang="ja-JP" dirty="0"/>
+              <a:t>~</a:t>
+            </a:r>
+            <a:r>
+              <a:rPr kumimoji="1" lang="ja-JP" altLang="en-US" dirty="0"/>
+              <a:t>△時</a:t>
+            </a:r>
+            <a:r>
+              <a:rPr kumimoji="1" lang="en-US" altLang="ja-JP" dirty="0"/>
+              <a:t>	××</a:t>
+            </a:r>
+            <a:r>
+              <a:rPr kumimoji="1" lang="ja-JP" altLang="en-US" dirty="0"/>
+              <a:t>円</a:t>
+            </a:r>
+            <a:r>
+              <a:rPr kumimoji="1" lang="en-US" altLang="ja-JP" dirty="0"/>
+              <a:t>/</a:t>
+            </a:r>
+            <a:r>
+              <a:rPr kumimoji="1" lang="ja-JP" altLang="en-US" dirty="0"/>
+              <a:t>◇◇分</a:t>
+            </a:r>
+            <a:endParaRPr lang="en-US" altLang="ja-JP" dirty="0"/>
+          </a:p>
+          <a:p>
+            <a:r>
+              <a:rPr lang="ja-JP" altLang="en-US" dirty="0"/>
+              <a:t>　〇時</a:t>
+            </a:r>
+            <a:r>
+              <a:rPr kumimoji="1" lang="en-US" altLang="ja-JP" dirty="0"/>
+              <a:t>~</a:t>
+            </a:r>
+            <a:r>
+              <a:rPr kumimoji="1" lang="ja-JP" altLang="en-US" dirty="0"/>
+              <a:t>△時</a:t>
+            </a:r>
+            <a:r>
+              <a:rPr kumimoji="1" lang="en-US" altLang="ja-JP" dirty="0"/>
+              <a:t>	××</a:t>
+            </a:r>
+            <a:r>
+              <a:rPr kumimoji="1" lang="ja-JP" altLang="en-US" dirty="0"/>
+              <a:t>円</a:t>
+            </a:r>
+            <a:r>
+              <a:rPr kumimoji="1" lang="en-US" altLang="ja-JP" dirty="0"/>
+              <a:t>/</a:t>
+            </a:r>
+            <a:r>
+              <a:rPr kumimoji="1" lang="ja-JP" altLang="en-US" dirty="0"/>
+              <a:t>◇◇分</a:t>
+            </a:r>
+            <a:endParaRPr kumimoji="1" lang="en-US" altLang="ja-JP" dirty="0"/>
+          </a:p>
+        </p:txBody>
+      </p:sp>
+    </p:spTree>
+    <p:extLst>
+      <p:ext uri="{BB962C8B-B14F-4D97-AF65-F5344CB8AC3E}">
+        <p14:creationId xmlns:p14="http://schemas.microsoft.com/office/powerpoint/2010/main" val="3824418821"/>
       </p:ext>
     </p:extLst>
   </p:cSld>

--- a/webアプリ.pptx
+++ b/webアプリ.pptx
@@ -5109,6 +5109,213 @@
               </a:rPr>
               <a:t>きついポイント①</a:t>
             </a:r>
+          </a:p>
+        </p:txBody>
+      </p:sp>
+      <p:sp>
+        <p:nvSpPr>
+          <p:cNvPr id="5" name="テキスト ボックス 4">
+            <a:extLst>
+              <a:ext uri="{FF2B5EF4-FFF2-40B4-BE49-F238E27FC236}">
+                <a16:creationId xmlns:a16="http://schemas.microsoft.com/office/drawing/2014/main" id="{1A55AA24-5A16-BD10-E0CD-10003756F671}"/>
+              </a:ext>
+            </a:extLst>
+          </p:cNvPr>
+          <p:cNvSpPr txBox="1"/>
+          <p:nvPr/>
+        </p:nvSpPr>
+        <p:spPr>
+          <a:xfrm>
+            <a:off x="1286435" y="1930914"/>
+            <a:ext cx="1410716" cy="461665"/>
+          </a:xfrm>
+          <a:prstGeom prst="rect">
+            <a:avLst/>
+          </a:prstGeom>
+          <a:noFill/>
+        </p:spPr>
+        <p:txBody>
+          <a:bodyPr wrap="square" rtlCol="0">
+            <a:spAutoFit/>
+          </a:bodyPr>
+          <a:lstStyle/>
+          <a:p>
+            <a:pPr algn="ctr"/>
+            <a:r>
+              <a:rPr kumimoji="1" lang="ja-JP" altLang="en-US" sz="2400" dirty="0">
+                <a:solidFill>
+                  <a:srgbClr val="FF0000"/>
+                </a:solidFill>
+                <a:highlight>
+                  <a:srgbClr val="FFFF00"/>
+                </a:highlight>
+              </a:rPr>
+              <a:t>順番②</a:t>
+            </a:r>
+          </a:p>
+        </p:txBody>
+      </p:sp>
+      <p:sp>
+        <p:nvSpPr>
+          <p:cNvPr id="6" name="正方形/長方形 5">
+            <a:extLst>
+              <a:ext uri="{FF2B5EF4-FFF2-40B4-BE49-F238E27FC236}">
+                <a16:creationId xmlns:a16="http://schemas.microsoft.com/office/drawing/2014/main" id="{F8BB3B51-4634-C7E7-7AC7-A714804ABE5E}"/>
+              </a:ext>
+            </a:extLst>
+          </p:cNvPr>
+          <p:cNvSpPr/>
+          <p:nvPr/>
+        </p:nvSpPr>
+        <p:spPr>
+          <a:xfrm>
+            <a:off x="2745966" y="0"/>
+            <a:ext cx="2270575" cy="3723370"/>
+          </a:xfrm>
+          <a:prstGeom prst="rect">
+            <a:avLst/>
+          </a:prstGeom>
+          <a:noFill/>
+          <a:ln w="28575">
+            <a:solidFill>
+              <a:srgbClr val="FF0000"/>
+            </a:solidFill>
+          </a:ln>
+        </p:spPr>
+        <p:style>
+          <a:lnRef idx="2">
+            <a:schemeClr val="accent1">
+              <a:shade val="15000"/>
+            </a:schemeClr>
+          </a:lnRef>
+          <a:fillRef idx="1">
+            <a:schemeClr val="accent1"/>
+          </a:fillRef>
+          <a:effectRef idx="0">
+            <a:schemeClr val="accent1"/>
+          </a:effectRef>
+          <a:fontRef idx="minor">
+            <a:schemeClr val="lt1"/>
+          </a:fontRef>
+        </p:style>
+        <p:txBody>
+          <a:bodyPr rtlCol="0" anchor="ctr"/>
+          <a:lstStyle/>
+          <a:p>
+            <a:pPr algn="ctr"/>
+            <a:endParaRPr kumimoji="1" lang="ja-JP" altLang="en-US" dirty="0"/>
+          </a:p>
+        </p:txBody>
+      </p:sp>
+      <p:sp>
+        <p:nvSpPr>
+          <p:cNvPr id="7" name="正方形/長方形 6">
+            <a:extLst>
+              <a:ext uri="{FF2B5EF4-FFF2-40B4-BE49-F238E27FC236}">
+                <a16:creationId xmlns:a16="http://schemas.microsoft.com/office/drawing/2014/main" id="{E1274AC0-C792-D7C6-CD5A-1F28E0838ED6}"/>
+              </a:ext>
+            </a:extLst>
+          </p:cNvPr>
+          <p:cNvSpPr/>
+          <p:nvPr/>
+        </p:nvSpPr>
+        <p:spPr>
+          <a:xfrm>
+            <a:off x="7402398" y="0"/>
+            <a:ext cx="2270575" cy="3723370"/>
+          </a:xfrm>
+          <a:prstGeom prst="rect">
+            <a:avLst/>
+          </a:prstGeom>
+          <a:solidFill>
+            <a:srgbClr val="FF0000">
+              <a:alpha val="69804"/>
+            </a:srgbClr>
+          </a:solidFill>
+          <a:ln w="28575">
+            <a:solidFill>
+              <a:srgbClr val="FF0000"/>
+            </a:solidFill>
+          </a:ln>
+        </p:spPr>
+        <p:style>
+          <a:lnRef idx="2">
+            <a:schemeClr val="accent1">
+              <a:shade val="15000"/>
+            </a:schemeClr>
+          </a:lnRef>
+          <a:fillRef idx="1">
+            <a:schemeClr val="accent1"/>
+          </a:fillRef>
+          <a:effectRef idx="0">
+            <a:schemeClr val="accent1"/>
+          </a:effectRef>
+          <a:fontRef idx="minor">
+            <a:schemeClr val="lt1"/>
+          </a:fontRef>
+        </p:style>
+        <p:txBody>
+          <a:bodyPr rtlCol="0" anchor="ctr"/>
+          <a:lstStyle/>
+          <a:p>
+            <a:pPr algn="ctr"/>
+            <a:endParaRPr kumimoji="1" lang="ja-JP" altLang="en-US" dirty="0"/>
+          </a:p>
+        </p:txBody>
+      </p:sp>
+      <p:sp>
+        <p:nvSpPr>
+          <p:cNvPr id="8" name="正方形/長方形 7">
+            <a:extLst>
+              <a:ext uri="{FF2B5EF4-FFF2-40B4-BE49-F238E27FC236}">
+                <a16:creationId xmlns:a16="http://schemas.microsoft.com/office/drawing/2014/main" id="{6968E543-6474-789C-3955-E98386E306BA}"/>
+              </a:ext>
+            </a:extLst>
+          </p:cNvPr>
+          <p:cNvSpPr/>
+          <p:nvPr/>
+        </p:nvSpPr>
+        <p:spPr>
+          <a:xfrm>
+            <a:off x="5074182" y="0"/>
+            <a:ext cx="2270575" cy="3723370"/>
+          </a:xfrm>
+          <a:prstGeom prst="rect">
+            <a:avLst/>
+          </a:prstGeom>
+          <a:solidFill>
+            <a:srgbClr val="FF0000">
+              <a:alpha val="69804"/>
+            </a:srgbClr>
+          </a:solidFill>
+          <a:ln w="28575">
+            <a:solidFill>
+              <a:srgbClr val="FF0000"/>
+            </a:solidFill>
+          </a:ln>
+        </p:spPr>
+        <p:style>
+          <a:lnRef idx="2">
+            <a:schemeClr val="accent1">
+              <a:shade val="15000"/>
+            </a:schemeClr>
+          </a:lnRef>
+          <a:fillRef idx="1">
+            <a:schemeClr val="accent1"/>
+          </a:fillRef>
+          <a:effectRef idx="0">
+            <a:schemeClr val="accent1"/>
+          </a:effectRef>
+          <a:fontRef idx="minor">
+            <a:schemeClr val="lt1"/>
+          </a:fontRef>
+        </p:style>
+        <p:txBody>
+          <a:bodyPr rtlCol="0" anchor="ctr"/>
+          <a:lstStyle/>
+          <a:p>
+            <a:pPr algn="ctr"/>
+            <a:endParaRPr kumimoji="1" lang="ja-JP" altLang="en-US" dirty="0"/>
           </a:p>
         </p:txBody>
       </p:sp>
@@ -6634,6 +6841,135 @@
           </p:spPr>
         </p:pic>
       </p:grpSp>
+      <p:sp>
+        <p:nvSpPr>
+          <p:cNvPr id="2" name="テキスト ボックス 1">
+            <a:extLst>
+              <a:ext uri="{FF2B5EF4-FFF2-40B4-BE49-F238E27FC236}">
+                <a16:creationId xmlns:a16="http://schemas.microsoft.com/office/drawing/2014/main" id="{F060C063-2A74-B81E-0304-A7B54A88C7DB}"/>
+              </a:ext>
+            </a:extLst>
+          </p:cNvPr>
+          <p:cNvSpPr txBox="1"/>
+          <p:nvPr/>
+        </p:nvSpPr>
+        <p:spPr>
+          <a:xfrm>
+            <a:off x="6697948" y="1860818"/>
+            <a:ext cx="1410716" cy="461665"/>
+          </a:xfrm>
+          <a:prstGeom prst="rect">
+            <a:avLst/>
+          </a:prstGeom>
+          <a:noFill/>
+        </p:spPr>
+        <p:txBody>
+          <a:bodyPr wrap="square" rtlCol="0">
+            <a:spAutoFit/>
+          </a:bodyPr>
+          <a:lstStyle/>
+          <a:p>
+            <a:pPr algn="ctr"/>
+            <a:r>
+              <a:rPr kumimoji="1" lang="ja-JP" altLang="en-US" sz="2400" dirty="0">
+                <a:solidFill>
+                  <a:srgbClr val="FF0000"/>
+                </a:solidFill>
+                <a:highlight>
+                  <a:srgbClr val="FFFF00"/>
+                </a:highlight>
+              </a:rPr>
+              <a:t>順番①</a:t>
+            </a:r>
+          </a:p>
+        </p:txBody>
+      </p:sp>
+      <p:sp>
+        <p:nvSpPr>
+          <p:cNvPr id="4" name="テキスト ボックス 3">
+            <a:extLst>
+              <a:ext uri="{FF2B5EF4-FFF2-40B4-BE49-F238E27FC236}">
+                <a16:creationId xmlns:a16="http://schemas.microsoft.com/office/drawing/2014/main" id="{70B6F335-5BA3-ABA6-081A-70EEDFAFDC20}"/>
+              </a:ext>
+            </a:extLst>
+          </p:cNvPr>
+          <p:cNvSpPr txBox="1"/>
+          <p:nvPr/>
+        </p:nvSpPr>
+        <p:spPr>
+          <a:xfrm>
+            <a:off x="4168126" y="227439"/>
+            <a:ext cx="1410716" cy="461665"/>
+          </a:xfrm>
+          <a:prstGeom prst="rect">
+            <a:avLst/>
+          </a:prstGeom>
+          <a:noFill/>
+        </p:spPr>
+        <p:txBody>
+          <a:bodyPr wrap="square" rtlCol="0">
+            <a:spAutoFit/>
+          </a:bodyPr>
+          <a:lstStyle/>
+          <a:p>
+            <a:pPr algn="ctr"/>
+            <a:r>
+              <a:rPr kumimoji="1" lang="ja-JP" altLang="en-US" sz="2400" dirty="0">
+                <a:solidFill>
+                  <a:srgbClr val="FF0000"/>
+                </a:solidFill>
+                <a:highlight>
+                  <a:srgbClr val="FFFF00"/>
+                </a:highlight>
+              </a:rPr>
+              <a:t>順番③</a:t>
+            </a:r>
+          </a:p>
+        </p:txBody>
+      </p:sp>
+      <p:sp>
+        <p:nvSpPr>
+          <p:cNvPr id="5" name="テキスト ボックス 4">
+            <a:extLst>
+              <a:ext uri="{FF2B5EF4-FFF2-40B4-BE49-F238E27FC236}">
+                <a16:creationId xmlns:a16="http://schemas.microsoft.com/office/drawing/2014/main" id="{6D762885-EDCE-1F91-ED95-9E0950307A99}"/>
+              </a:ext>
+            </a:extLst>
+          </p:cNvPr>
+          <p:cNvSpPr txBox="1"/>
+          <p:nvPr/>
+        </p:nvSpPr>
+        <p:spPr>
+          <a:xfrm>
+            <a:off x="10151805" y="1869463"/>
+            <a:ext cx="1410716" cy="461665"/>
+          </a:xfrm>
+          <a:prstGeom prst="rect">
+            <a:avLst/>
+          </a:prstGeom>
+          <a:noFill/>
+        </p:spPr>
+        <p:txBody>
+          <a:bodyPr wrap="square" rtlCol="0">
+            <a:spAutoFit/>
+          </a:bodyPr>
+          <a:lstStyle/>
+          <a:p>
+            <a:pPr algn="ctr"/>
+            <a:r>
+              <a:rPr kumimoji="1" lang="ja-JP" altLang="en-US" sz="2400" dirty="0">
+                <a:solidFill>
+                  <a:srgbClr val="FF0000"/>
+                </a:solidFill>
+                <a:highlight>
+                  <a:srgbClr val="FFFF00"/>
+                </a:highlight>
+              </a:rPr>
+              <a:t>順番④</a:t>
+            </a:r>
+          </a:p>
+        </p:txBody>
+      </p:sp>
     </p:spTree>
     <p:extLst>
       <p:ext uri="{BB962C8B-B14F-4D97-AF65-F5344CB8AC3E}">
@@ -7173,21 +7509,21 @@
           <a:lstStyle/>
           <a:p>
             <a:r>
-              <a:rPr kumimoji="1" lang="en-US" altLang="ja-JP" dirty="0">
+              <a:rPr kumimoji="1" lang="en-US" altLang="ja-JP" strike="sngStrike" dirty="0">
                 <a:latin typeface="Arial" panose="020B0604020202020204" pitchFamily="34" charset="0"/>
                 <a:cs typeface="Arial" panose="020B0604020202020204" pitchFamily="34" charset="0"/>
               </a:rPr>
               <a:t>【</a:t>
             </a:r>
             <a:r>
-              <a:rPr kumimoji="1" lang="ja-JP" altLang="en-US" dirty="0">
+              <a:rPr kumimoji="1" lang="ja-JP" altLang="en-US" strike="sngStrike" dirty="0">
                 <a:latin typeface="Arial" panose="020B0604020202020204" pitchFamily="34" charset="0"/>
                 <a:cs typeface="Arial" panose="020B0604020202020204" pitchFamily="34" charset="0"/>
               </a:rPr>
               <a:t>日本パーキング</a:t>
             </a:r>
             <a:r>
-              <a:rPr kumimoji="1" lang="en-US" altLang="ja-JP" dirty="0">
+              <a:rPr kumimoji="1" lang="en-US" altLang="ja-JP" strike="sngStrike" dirty="0">
                 <a:latin typeface="Arial" panose="020B0604020202020204" pitchFamily="34" charset="0"/>
                 <a:cs typeface="Arial" panose="020B0604020202020204" pitchFamily="34" charset="0"/>
               </a:rPr>
@@ -7200,21 +7536,21 @@
               <a:buAutoNum type="circleNumDbPlain"/>
             </a:pPr>
             <a:r>
-              <a:rPr kumimoji="1" lang="en-US" altLang="ja-JP" dirty="0" err="1">
+              <a:rPr kumimoji="1" lang="en-US" altLang="ja-JP" strike="sngStrike" dirty="0" err="1">
                 <a:latin typeface="Arial" panose="020B0604020202020204" pitchFamily="34" charset="0"/>
                 <a:cs typeface="Arial" panose="020B0604020202020204" pitchFamily="34" charset="0"/>
               </a:rPr>
               <a:t>url</a:t>
             </a:r>
             <a:r>
-              <a:rPr kumimoji="1" lang="en-US" altLang="ja-JP" dirty="0">
+              <a:rPr kumimoji="1" lang="en-US" altLang="ja-JP" strike="sngStrike" dirty="0">
                 <a:latin typeface="Arial" panose="020B0604020202020204" pitchFamily="34" charset="0"/>
                 <a:cs typeface="Arial" panose="020B0604020202020204" pitchFamily="34" charset="0"/>
               </a:rPr>
               <a:t>=“https://npc-npc.co.jp/parking/prefecture-0/city-0/parking-</a:t>
             </a:r>
             <a:r>
-              <a:rPr kumimoji="1" lang="en-US" altLang="ja-JP" b="1" dirty="0">
+              <a:rPr kumimoji="1" lang="en-US" altLang="ja-JP" b="1" strike="sngStrike" dirty="0">
                 <a:solidFill>
                   <a:srgbClr val="FF0000"/>
                 </a:solidFill>
@@ -7224,20 +7560,20 @@
               <a:t>ID</a:t>
             </a:r>
             <a:r>
-              <a:rPr kumimoji="1" lang="en-US" altLang="ja-JP" dirty="0">
+              <a:rPr kumimoji="1" lang="en-US" altLang="ja-JP" strike="sngStrike" dirty="0">
                 <a:latin typeface="Arial" panose="020B0604020202020204" pitchFamily="34" charset="0"/>
                 <a:cs typeface="Arial" panose="020B0604020202020204" pitchFamily="34" charset="0"/>
               </a:rPr>
               <a:t>”</a:t>
             </a:r>
             <a:r>
-              <a:rPr kumimoji="1" lang="ja-JP" altLang="en-US" dirty="0">
+              <a:rPr kumimoji="1" lang="ja-JP" altLang="en-US" strike="sngStrike" dirty="0">
                 <a:latin typeface="Arial" panose="020B0604020202020204" pitchFamily="34" charset="0"/>
                 <a:cs typeface="Arial" panose="020B0604020202020204" pitchFamily="34" charset="0"/>
               </a:rPr>
               <a:t>を作成</a:t>
             </a:r>
-            <a:endParaRPr kumimoji="1" lang="en-US" altLang="ja-JP" dirty="0">
+            <a:endParaRPr kumimoji="1" lang="en-US" altLang="ja-JP" strike="sngStrike" dirty="0">
               <a:latin typeface="Arial" panose="020B0604020202020204" pitchFamily="34" charset="0"/>
               <a:cs typeface="Arial" panose="020B0604020202020204" pitchFamily="34" charset="0"/>
             </a:endParaRPr>
@@ -7248,76 +7584,76 @@
               <a:buAutoNum type="circleNumDbPlain"/>
             </a:pPr>
             <a:r>
-              <a:rPr lang="en-US" altLang="ja-JP" dirty="0">
+              <a:rPr lang="en-US" altLang="ja-JP" strike="sngStrike" dirty="0">
                 <a:latin typeface="Arial" panose="020B0604020202020204" pitchFamily="34" charset="0"/>
                 <a:cs typeface="Arial" panose="020B0604020202020204" pitchFamily="34" charset="0"/>
               </a:rPr>
               <a:t>ID</a:t>
             </a:r>
             <a:r>
-              <a:rPr lang="ja-JP" altLang="en-US" dirty="0">
+              <a:rPr lang="ja-JP" altLang="en-US" strike="sngStrike" dirty="0">
                 <a:latin typeface="Arial" panose="020B0604020202020204" pitchFamily="34" charset="0"/>
                 <a:cs typeface="Arial" panose="020B0604020202020204" pitchFamily="34" charset="0"/>
               </a:rPr>
               <a:t>を</a:t>
             </a:r>
             <a:r>
-              <a:rPr lang="en-US" altLang="ja-JP" dirty="0">
+              <a:rPr lang="en-US" altLang="ja-JP" strike="sngStrike" dirty="0">
                 <a:latin typeface="Arial" panose="020B0604020202020204" pitchFamily="34" charset="0"/>
                 <a:cs typeface="Arial" panose="020B0604020202020204" pitchFamily="34" charset="0"/>
               </a:rPr>
               <a:t>0~4200?</a:t>
             </a:r>
             <a:r>
-              <a:rPr lang="ja-JP" altLang="en-US" dirty="0">
+              <a:rPr lang="ja-JP" altLang="en-US" strike="sngStrike" dirty="0">
                 <a:latin typeface="Arial" panose="020B0604020202020204" pitchFamily="34" charset="0"/>
                 <a:cs typeface="Arial" panose="020B0604020202020204" pitchFamily="34" charset="0"/>
               </a:rPr>
               <a:t>まで</a:t>
             </a:r>
             <a:r>
-              <a:rPr lang="en-US" altLang="ja-JP" dirty="0">
+              <a:rPr lang="en-US" altLang="ja-JP" strike="sngStrike" dirty="0">
                 <a:latin typeface="Arial" panose="020B0604020202020204" pitchFamily="34" charset="0"/>
                 <a:cs typeface="Arial" panose="020B0604020202020204" pitchFamily="34" charset="0"/>
               </a:rPr>
               <a:t>for</a:t>
             </a:r>
             <a:r>
-              <a:rPr lang="ja-JP" altLang="en-US" dirty="0">
+              <a:rPr lang="ja-JP" altLang="en-US" strike="sngStrike" dirty="0">
                 <a:latin typeface="Arial" panose="020B0604020202020204" pitchFamily="34" charset="0"/>
                 <a:cs typeface="Arial" panose="020B0604020202020204" pitchFamily="34" charset="0"/>
               </a:rPr>
               <a:t>文で回し、</a:t>
             </a:r>
             <a:r>
-              <a:rPr lang="en-US" altLang="ja-JP" dirty="0" err="1">
+              <a:rPr lang="en-US" altLang="ja-JP" strike="sngStrike" dirty="0" err="1">
                 <a:latin typeface="Arial" panose="020B0604020202020204" pitchFamily="34" charset="0"/>
                 <a:cs typeface="Arial" panose="020B0604020202020204" pitchFamily="34" charset="0"/>
               </a:rPr>
               <a:t>get.request</a:t>
             </a:r>
             <a:r>
-              <a:rPr lang="ja-JP" altLang="en-US" dirty="0">
+              <a:rPr lang="ja-JP" altLang="en-US" strike="sngStrike" dirty="0">
                 <a:latin typeface="Arial" panose="020B0604020202020204" pitchFamily="34" charset="0"/>
                 <a:cs typeface="Arial" panose="020B0604020202020204" pitchFamily="34" charset="0"/>
               </a:rPr>
               <a:t>で返答</a:t>
             </a:r>
             <a:r>
-              <a:rPr lang="en-US" altLang="ja-JP" dirty="0">
+              <a:rPr lang="en-US" altLang="ja-JP" strike="sngStrike" dirty="0">
                 <a:latin typeface="Arial" panose="020B0604020202020204" pitchFamily="34" charset="0"/>
                 <a:cs typeface="Arial" panose="020B0604020202020204" pitchFamily="34" charset="0"/>
               </a:rPr>
               <a:t>”200”</a:t>
             </a:r>
             <a:r>
-              <a:rPr lang="ja-JP" altLang="en-US" dirty="0">
+              <a:rPr lang="ja-JP" altLang="en-US" strike="sngStrike" dirty="0">
                 <a:latin typeface="Arial" panose="020B0604020202020204" pitchFamily="34" charset="0"/>
                 <a:cs typeface="Arial" panose="020B0604020202020204" pitchFamily="34" charset="0"/>
               </a:rPr>
               <a:t>があった場合のみデータを取得</a:t>
             </a:r>
-            <a:endParaRPr lang="en-US" altLang="ja-JP" dirty="0">
+            <a:endParaRPr lang="en-US" altLang="ja-JP" strike="sngStrike" dirty="0">
               <a:latin typeface="Arial" panose="020B0604020202020204" pitchFamily="34" charset="0"/>
               <a:cs typeface="Arial" panose="020B0604020202020204" pitchFamily="34" charset="0"/>
             </a:endParaRPr>
@@ -7328,21 +7664,21 @@
               <a:buAutoNum type="circleNumDbPlain"/>
             </a:pPr>
             <a:r>
-              <a:rPr lang="en-US" altLang="ja-JP" dirty="0" err="1">
+              <a:rPr lang="en-US" altLang="ja-JP" strike="sngStrike" dirty="0" err="1">
                 <a:latin typeface="Arial" panose="020B0604020202020204" pitchFamily="34" charset="0"/>
                 <a:cs typeface="Arial" panose="020B0604020202020204" pitchFamily="34" charset="0"/>
               </a:rPr>
               <a:t>d</a:t>
             </a:r>
             <a:r>
-              <a:rPr kumimoji="1" lang="en-US" altLang="ja-JP" dirty="0" err="1">
+              <a:rPr kumimoji="1" lang="en-US" altLang="ja-JP" strike="sngStrike" dirty="0" err="1">
                 <a:latin typeface="Arial" panose="020B0604020202020204" pitchFamily="34" charset="0"/>
                 <a:cs typeface="Arial" panose="020B0604020202020204" pitchFamily="34" charset="0"/>
               </a:rPr>
               <a:t>f_npc</a:t>
             </a:r>
             <a:r>
-              <a:rPr kumimoji="1" lang="ja-JP" altLang="en-US" dirty="0">
+              <a:rPr kumimoji="1" lang="ja-JP" altLang="en-US" strike="sngStrike" dirty="0">
                 <a:latin typeface="Arial" panose="020B0604020202020204" pitchFamily="34" charset="0"/>
                 <a:cs typeface="Arial" panose="020B0604020202020204" pitchFamily="34" charset="0"/>
               </a:rPr>
@@ -8662,7 +8998,7 @@
         </p:nvSpPr>
         <p:spPr>
           <a:xfrm>
-            <a:off x="0" y="0"/>
+            <a:off x="1498600" y="1430866"/>
             <a:ext cx="4538133" cy="1200329"/>
           </a:xfrm>
           <a:prstGeom prst="rect">
